--- a/Материалы к конференции Путь в науку 2020/Путь в науку.pptx
+++ b/Материалы к конференции Путь в науку 2020/Путь в науку.pptx
@@ -5,7 +5,7 @@
     <p:sldMasterId id="2147483648" r:id="rId1"/>
   </p:sldMasterIdLst>
   <p:notesMasterIdLst>
-    <p:notesMasterId r:id="rId28"/>
+    <p:notesMasterId r:id="rId27"/>
   </p:notesMasterIdLst>
   <p:sldIdLst>
     <p:sldId id="256" r:id="rId2"/>
@@ -27,13 +27,12 @@
     <p:sldId id="267" r:id="rId18"/>
     <p:sldId id="279" r:id="rId19"/>
     <p:sldId id="280" r:id="rId20"/>
-    <p:sldId id="281" r:id="rId21"/>
-    <p:sldId id="259" r:id="rId22"/>
-    <p:sldId id="284" r:id="rId23"/>
-    <p:sldId id="275" r:id="rId24"/>
-    <p:sldId id="273" r:id="rId25"/>
-    <p:sldId id="282" r:id="rId26"/>
-    <p:sldId id="283" r:id="rId27"/>
+    <p:sldId id="259" r:id="rId21"/>
+    <p:sldId id="284" r:id="rId22"/>
+    <p:sldId id="275" r:id="rId23"/>
+    <p:sldId id="273" r:id="rId24"/>
+    <p:sldId id="282" r:id="rId25"/>
+    <p:sldId id="283" r:id="rId26"/>
   </p:sldIdLst>
   <p:sldSz cx="12192000" cy="6858000"/>
   <p:notesSz cx="6858000" cy="9144000"/>
@@ -222,7 +221,7 @@
           <a:p>
             <a:fld id="{55E86DC5-133C-41F2-B854-563B9599BBFC}" type="datetimeFigureOut">
               <a:rPr lang="ru-RU" smtClean="0"/>
-              <a:t>12.05.2020</a:t>
+              <a:t>13.05.2020</a:t>
             </a:fld>
             <a:endParaRPr lang="ru-RU"/>
           </a:p>
@@ -621,7 +620,7 @@
           <a:p>
             <a:fld id="{3352739A-F188-49EE-BA9B-116219FE2F71}" type="datetime1">
               <a:rPr lang="ru-RU" smtClean="0"/>
-              <a:t>12.05.2020</a:t>
+              <a:t>13.05.2020</a:t>
             </a:fld>
             <a:endParaRPr lang="ru-RU"/>
           </a:p>
@@ -791,7 +790,7 @@
           <a:p>
             <a:fld id="{F2BF63C2-D68B-40BB-9B19-864262FE305E}" type="datetime1">
               <a:rPr lang="ru-RU" smtClean="0"/>
-              <a:t>12.05.2020</a:t>
+              <a:t>13.05.2020</a:t>
             </a:fld>
             <a:endParaRPr lang="ru-RU"/>
           </a:p>
@@ -971,7 +970,7 @@
           <a:p>
             <a:fld id="{930A9250-0DAC-43D4-9721-EA2D9FEBAEF1}" type="datetime1">
               <a:rPr lang="ru-RU" smtClean="0"/>
-              <a:t>12.05.2020</a:t>
+              <a:t>13.05.2020</a:t>
             </a:fld>
             <a:endParaRPr lang="ru-RU"/>
           </a:p>
@@ -1141,7 +1140,7 @@
           <a:p>
             <a:fld id="{F8D3ED09-53F3-4A31-8361-60C7CBDA6140}" type="datetime1">
               <a:rPr lang="ru-RU" smtClean="0"/>
-              <a:t>12.05.2020</a:t>
+              <a:t>13.05.2020</a:t>
             </a:fld>
             <a:endParaRPr lang="ru-RU"/>
           </a:p>
@@ -1387,7 +1386,7 @@
           <a:p>
             <a:fld id="{E69DD5F4-91C8-47C7-9EF3-20ECF2391395}" type="datetime1">
               <a:rPr lang="ru-RU" smtClean="0"/>
-              <a:t>12.05.2020</a:t>
+              <a:t>13.05.2020</a:t>
             </a:fld>
             <a:endParaRPr lang="ru-RU"/>
           </a:p>
@@ -1619,7 +1618,7 @@
           <a:p>
             <a:fld id="{F01AC3F8-22C5-4F1C-96DE-D9B89AEF1DA2}" type="datetime1">
               <a:rPr lang="ru-RU" smtClean="0"/>
-              <a:t>12.05.2020</a:t>
+              <a:t>13.05.2020</a:t>
             </a:fld>
             <a:endParaRPr lang="ru-RU"/>
           </a:p>
@@ -1986,7 +1985,7 @@
           <a:p>
             <a:fld id="{87F636F0-C795-4D58-BA37-155C6C3EDE4F}" type="datetime1">
               <a:rPr lang="ru-RU" smtClean="0"/>
-              <a:t>12.05.2020</a:t>
+              <a:t>13.05.2020</a:t>
             </a:fld>
             <a:endParaRPr lang="ru-RU"/>
           </a:p>
@@ -2104,7 +2103,7 @@
           <a:p>
             <a:fld id="{A55C2C05-7BE7-418C-BDA9-E08579AF981A}" type="datetime1">
               <a:rPr lang="ru-RU" smtClean="0"/>
-              <a:t>12.05.2020</a:t>
+              <a:t>13.05.2020</a:t>
             </a:fld>
             <a:endParaRPr lang="ru-RU"/>
           </a:p>
@@ -2199,7 +2198,7 @@
           <a:p>
             <a:fld id="{BCBE0E79-FF60-405C-8303-6FE9924DA59A}" type="datetime1">
               <a:rPr lang="ru-RU" smtClean="0"/>
-              <a:t>12.05.2020</a:t>
+              <a:t>13.05.2020</a:t>
             </a:fld>
             <a:endParaRPr lang="ru-RU"/>
           </a:p>
@@ -2476,7 +2475,7 @@
           <a:p>
             <a:fld id="{405D1FEC-015B-4544-872D-5DCA4A521EB1}" type="datetime1">
               <a:rPr lang="ru-RU" smtClean="0"/>
-              <a:t>12.05.2020</a:t>
+              <a:t>13.05.2020</a:t>
             </a:fld>
             <a:endParaRPr lang="ru-RU"/>
           </a:p>
@@ -2729,7 +2728,7 @@
           <a:p>
             <a:fld id="{3923FED8-A967-437F-B2CB-B783BE9CED33}" type="datetime1">
               <a:rPr lang="ru-RU" smtClean="0"/>
-              <a:t>12.05.2020</a:t>
+              <a:t>13.05.2020</a:t>
             </a:fld>
             <a:endParaRPr lang="ru-RU"/>
           </a:p>
@@ -2942,7 +2941,7 @@
           <a:p>
             <a:fld id="{58C781C5-26FE-4BA6-BE01-01CC8E3DCD96}" type="datetime1">
               <a:rPr lang="ru-RU" smtClean="0"/>
-              <a:t>12.05.2020</a:t>
+              <a:t>13.05.2020</a:t>
             </a:fld>
             <a:endParaRPr lang="ru-RU"/>
           </a:p>
@@ -3389,7 +3388,7 @@
         <p:spPr>
           <a:xfrm>
             <a:off x="1524000" y="3602038"/>
-            <a:ext cx="9144000" cy="588962"/>
+            <a:ext cx="9144000" cy="2163762"/>
           </a:xfrm>
         </p:spPr>
         <p:txBody>
@@ -3398,9 +3397,26 @@
           <a:p>
             <a:r>
               <a:rPr lang="ru-RU" dirty="0" smtClean="0"/>
-              <a:t>Описание и реализация</a:t>
+              <a:t>Описание и </a:t>
             </a:r>
+            <a:r>
+              <a:rPr lang="ru-RU" dirty="0" smtClean="0"/>
+              <a:t>реализация</a:t>
+            </a:r>
+          </a:p>
+          <a:p>
             <a:endParaRPr lang="ru-RU" dirty="0"/>
+          </a:p>
+          <a:p>
+            <a:r>
+              <a:rPr lang="ru-RU" dirty="0" smtClean="0"/>
+              <a:t>Докладчик: </a:t>
+            </a:r>
+            <a:r>
+              <a:rPr lang="ru-RU" i="1" dirty="0" smtClean="0"/>
+              <a:t>Гибадулин Роман</a:t>
+            </a:r>
+            <a:endParaRPr lang="ru-RU" i="1" dirty="0" smtClean="0"/>
           </a:p>
         </p:txBody>
       </p:sp>
@@ -8143,13 +8159,13 @@
               <p:nvPr>
                 <p:extLst>
                   <p:ext uri="{D42A27DB-BD31-4B8C-83A1-F6EECF244321}">
-                    <p14:modId xmlns:p14="http://schemas.microsoft.com/office/powerpoint/2010/main" val="3418928549"/>
+                    <p14:modId xmlns:p14="http://schemas.microsoft.com/office/powerpoint/2010/main" val="650869853"/>
                   </p:ext>
                 </p:extLst>
               </p:nvPr>
             </p:nvGraphicFramePr>
             <p:xfrm>
-              <a:off x="3543300" y="3555047"/>
+              <a:off x="838200" y="3760470"/>
               <a:ext cx="5105400" cy="2595880"/>
             </p:xfrm>
             <a:graphic>
@@ -9197,13 +9213,13 @@
               <p:nvPr>
                 <p:extLst>
                   <p:ext uri="{D42A27DB-BD31-4B8C-83A1-F6EECF244321}">
-                    <p14:modId xmlns:p14="http://schemas.microsoft.com/office/powerpoint/2010/main" val="3418928549"/>
+                    <p14:modId xmlns:p14="http://schemas.microsoft.com/office/powerpoint/2010/main" val="650869853"/>
                   </p:ext>
                 </p:extLst>
               </p:nvPr>
             </p:nvGraphicFramePr>
             <p:xfrm>
-              <a:off x="3543300" y="3555047"/>
+              <a:off x="838200" y="3760470"/>
               <a:ext cx="5105400" cy="2595880"/>
             </p:xfrm>
             <a:graphic>
@@ -9265,7 +9281,7 @@
                         <a:blipFill>
                           <a:blip r:embed="rId4"/>
                           <a:stretch>
-                            <a:fillRect l="-100957" t="-1639" r="-201435" b="-603279"/>
+                            <a:fillRect l="-100957" t="-1639" r="-201914" b="-603279"/>
                           </a:stretch>
                         </a:blipFill>
                       </a:tcPr>
@@ -9292,7 +9308,7 @@
                         <a:blipFill>
                           <a:blip r:embed="rId4"/>
                           <a:stretch>
-                            <a:fillRect l="-301435" t="-1639" r="-957" b="-603279"/>
+                            <a:fillRect l="-301435" t="-1639" r="-1435" b="-603279"/>
                           </a:stretch>
                         </a:blipFill>
                       </a:tcPr>
@@ -9316,7 +9332,7 @@
                         <a:blipFill>
                           <a:blip r:embed="rId4"/>
                           <a:stretch>
-                            <a:fillRect l="-476" t="-101639" r="-300000" b="-503279"/>
+                            <a:fillRect l="-476" t="-101639" r="-300476" b="-503279"/>
                           </a:stretch>
                         </a:blipFill>
                       </a:tcPr>
@@ -9333,7 +9349,7 @@
                         <a:blipFill>
                           <a:blip r:embed="rId4"/>
                           <a:stretch>
-                            <a:fillRect l="-100957" t="-101639" r="-201435" b="-503279"/>
+                            <a:fillRect l="-100957" t="-101639" r="-201914" b="-503279"/>
                           </a:stretch>
                         </a:blipFill>
                       </a:tcPr>
@@ -9350,7 +9366,7 @@
                         <a:blipFill>
                           <a:blip r:embed="rId4"/>
                           <a:stretch>
-                            <a:fillRect l="-200000" t="-101639" r="-100476" b="-503279"/>
+                            <a:fillRect l="-200000" t="-101639" r="-100952" b="-503279"/>
                           </a:stretch>
                         </a:blipFill>
                       </a:tcPr>
@@ -9367,7 +9383,7 @@
                         <a:blipFill>
                           <a:blip r:embed="rId4"/>
                           <a:stretch>
-                            <a:fillRect l="-301435" t="-101639" r="-957" b="-503279"/>
+                            <a:fillRect l="-301435" t="-101639" r="-1435" b="-503279"/>
                           </a:stretch>
                         </a:blipFill>
                       </a:tcPr>
@@ -9391,7 +9407,7 @@
                         <a:blipFill>
                           <a:blip r:embed="rId4"/>
                           <a:stretch>
-                            <a:fillRect l="-476" t="-201639" r="-300000" b="-403279"/>
+                            <a:fillRect l="-476" t="-201639" r="-300476" b="-403279"/>
                           </a:stretch>
                         </a:blipFill>
                       </a:tcPr>
@@ -9408,7 +9424,7 @@
                         <a:blipFill>
                           <a:blip r:embed="rId4"/>
                           <a:stretch>
-                            <a:fillRect l="-100957" t="-201639" r="-201435" b="-403279"/>
+                            <a:fillRect l="-100957" t="-201639" r="-201914" b="-403279"/>
                           </a:stretch>
                         </a:blipFill>
                       </a:tcPr>
@@ -9425,7 +9441,7 @@
                         <a:blipFill>
                           <a:blip r:embed="rId4"/>
                           <a:stretch>
-                            <a:fillRect l="-200000" t="-201639" r="-100476" b="-403279"/>
+                            <a:fillRect l="-200000" t="-201639" r="-100952" b="-403279"/>
                           </a:stretch>
                         </a:blipFill>
                       </a:tcPr>
@@ -9442,7 +9458,7 @@
                         <a:blipFill>
                           <a:blip r:embed="rId4"/>
                           <a:stretch>
-                            <a:fillRect l="-301435" t="-201639" r="-957" b="-403279"/>
+                            <a:fillRect l="-301435" t="-201639" r="-1435" b="-403279"/>
                           </a:stretch>
                         </a:blipFill>
                       </a:tcPr>
@@ -9466,7 +9482,7 @@
                         <a:blipFill>
                           <a:blip r:embed="rId4"/>
                           <a:stretch>
-                            <a:fillRect l="-476" t="-301639" r="-300000" b="-303279"/>
+                            <a:fillRect l="-476" t="-301639" r="-300476" b="-303279"/>
                           </a:stretch>
                         </a:blipFill>
                       </a:tcPr>
@@ -9483,7 +9499,7 @@
                         <a:blipFill>
                           <a:blip r:embed="rId4"/>
                           <a:stretch>
-                            <a:fillRect l="-100957" t="-301639" r="-201435" b="-303279"/>
+                            <a:fillRect l="-100957" t="-301639" r="-201914" b="-303279"/>
                           </a:stretch>
                         </a:blipFill>
                       </a:tcPr>
@@ -9500,7 +9516,7 @@
                         <a:blipFill>
                           <a:blip r:embed="rId4"/>
                           <a:stretch>
-                            <a:fillRect l="-200000" t="-301639" r="-100476" b="-303279"/>
+                            <a:fillRect l="-200000" t="-301639" r="-100952" b="-303279"/>
                           </a:stretch>
                         </a:blipFill>
                       </a:tcPr>
@@ -9517,7 +9533,7 @@
                         <a:blipFill>
                           <a:blip r:embed="rId4"/>
                           <a:stretch>
-                            <a:fillRect l="-301435" t="-301639" r="-957" b="-303279"/>
+                            <a:fillRect l="-301435" t="-301639" r="-1435" b="-303279"/>
                           </a:stretch>
                         </a:blipFill>
                       </a:tcPr>
@@ -9541,7 +9557,7 @@
                         <a:blipFill>
                           <a:blip r:embed="rId4"/>
                           <a:stretch>
-                            <a:fillRect l="-476" t="-401639" r="-300000" b="-203279"/>
+                            <a:fillRect l="-476" t="-401639" r="-300476" b="-203279"/>
                           </a:stretch>
                         </a:blipFill>
                       </a:tcPr>
@@ -9558,7 +9574,7 @@
                         <a:blipFill>
                           <a:blip r:embed="rId4"/>
                           <a:stretch>
-                            <a:fillRect l="-100957" t="-401639" r="-201435" b="-203279"/>
+                            <a:fillRect l="-100957" t="-401639" r="-201914" b="-203279"/>
                           </a:stretch>
                         </a:blipFill>
                       </a:tcPr>
@@ -9575,7 +9591,7 @@
                         <a:blipFill>
                           <a:blip r:embed="rId4"/>
                           <a:stretch>
-                            <a:fillRect l="-200000" t="-401639" r="-100476" b="-203279"/>
+                            <a:fillRect l="-200000" t="-401639" r="-100952" b="-203279"/>
                           </a:stretch>
                         </a:blipFill>
                       </a:tcPr>
@@ -9592,7 +9608,7 @@
                         <a:blipFill>
                           <a:blip r:embed="rId4"/>
                           <a:stretch>
-                            <a:fillRect l="-301435" t="-401639" r="-957" b="-203279"/>
+                            <a:fillRect l="-301435" t="-401639" r="-1435" b="-203279"/>
                           </a:stretch>
                         </a:blipFill>
                       </a:tcPr>
@@ -9743,7 +9759,7 @@
                         <a:blipFill>
                           <a:blip r:embed="rId4"/>
                           <a:stretch>
-                            <a:fillRect l="-476" t="-601639" r="-300000" b="-3279"/>
+                            <a:fillRect l="-476" t="-601639" r="-300476" b="-3279"/>
                           </a:stretch>
                         </a:blipFill>
                       </a:tcPr>
@@ -9760,7 +9776,7 @@
                         <a:blipFill>
                           <a:blip r:embed="rId4"/>
                           <a:stretch>
-                            <a:fillRect l="-100957" t="-601639" r="-201435" b="-3279"/>
+                            <a:fillRect l="-100957" t="-601639" r="-201914" b="-3279"/>
                           </a:stretch>
                         </a:blipFill>
                       </a:tcPr>
@@ -9777,7 +9793,7 @@
                         <a:blipFill>
                           <a:blip r:embed="rId4"/>
                           <a:stretch>
-                            <a:fillRect l="-200000" t="-601639" r="-100476" b="-3279"/>
+                            <a:fillRect l="-200000" t="-601639" r="-100952" b="-3279"/>
                           </a:stretch>
                         </a:blipFill>
                       </a:tcPr>
@@ -9794,7 +9810,7 @@
                         <a:blipFill>
                           <a:blip r:embed="rId4"/>
                           <a:stretch>
-                            <a:fillRect l="-301435" t="-601639" r="-957" b="-3279"/>
+                            <a:fillRect l="-301435" t="-601639" r="-1435" b="-3279"/>
                           </a:stretch>
                         </a:blipFill>
                       </a:tcPr>
@@ -9809,6 +9825,439 @@
               </a:graphicData>
             </a:graphic>
           </p:graphicFrame>
+        </mc:Fallback>
+      </mc:AlternateContent>
+      <mc:AlternateContent xmlns:mc="http://schemas.openxmlformats.org/markup-compatibility/2006" xmlns:a14="http://schemas.microsoft.com/office/drawing/2010/main">
+        <mc:Choice Requires="a14">
+          <p:sp>
+            <p:nvSpPr>
+              <p:cNvPr id="3" name="TextBox 2"/>
+              <p:cNvSpPr txBox="1"/>
+              <p:nvPr/>
+            </p:nvSpPr>
+            <p:spPr>
+              <a:xfrm>
+                <a:off x="6464300" y="4391322"/>
+                <a:ext cx="5016500" cy="923330"/>
+              </a:xfrm>
+              <a:prstGeom prst="rect">
+                <a:avLst/>
+              </a:prstGeom>
+              <a:noFill/>
+            </p:spPr>
+            <p:txBody>
+              <a:bodyPr wrap="square" rtlCol="0">
+                <a:spAutoFit/>
+              </a:bodyPr>
+              <a:lstStyle/>
+              <a:p>
+                <a:pPr/>
+                <a14:m>
+                  <m:oMathPara xmlns:m="http://schemas.openxmlformats.org/officeDocument/2006/math">
+                    <m:oMathParaPr>
+                      <m:jc m:val="centerGroup"/>
+                    </m:oMathParaPr>
+                    <m:oMath xmlns:m="http://schemas.openxmlformats.org/officeDocument/2006/math">
+                      <m:r>
+                        <a:rPr lang="en-US" b="0" i="1" smtClean="0">
+                          <a:latin typeface="Cambria Math" panose="02040503050406030204" pitchFamily="18" charset="0"/>
+                        </a:rPr>
+                        <m:t>𝑓</m:t>
+                      </m:r>
+                      <m:d>
+                        <m:dPr>
+                          <m:ctrlPr>
+                            <a:rPr lang="en-US" b="0" i="1" smtClean="0">
+                              <a:latin typeface="Cambria Math" panose="02040503050406030204" pitchFamily="18" charset="0"/>
+                            </a:rPr>
+                          </m:ctrlPr>
+                        </m:dPr>
+                        <m:e>
+                          <m:r>
+                            <a:rPr lang="en-US" b="0" i="1" smtClean="0">
+                              <a:latin typeface="Cambria Math" panose="02040503050406030204" pitchFamily="18" charset="0"/>
+                            </a:rPr>
+                            <m:t>𝑥</m:t>
+                          </m:r>
+                        </m:e>
+                      </m:d>
+                      <m:r>
+                        <a:rPr lang="en-US" b="0" i="1" smtClean="0">
+                          <a:latin typeface="Cambria Math" panose="02040503050406030204" pitchFamily="18" charset="0"/>
+                        </a:rPr>
+                        <m:t>=</m:t>
+                      </m:r>
+                      <m:r>
+                        <a:rPr lang="en-US" b="0" i="1" smtClean="0">
+                          <a:latin typeface="Cambria Math" panose="02040503050406030204" pitchFamily="18" charset="0"/>
+                        </a:rPr>
+                        <m:t>𝑔</m:t>
+                      </m:r>
+                      <m:d>
+                        <m:dPr>
+                          <m:ctrlPr>
+                            <a:rPr lang="en-US" b="0" i="1" smtClean="0">
+                              <a:latin typeface="Cambria Math" panose="02040503050406030204" pitchFamily="18" charset="0"/>
+                            </a:rPr>
+                          </m:ctrlPr>
+                        </m:dPr>
+                        <m:e>
+                          <m:r>
+                            <a:rPr lang="en-US" b="0" i="1" smtClean="0">
+                              <a:latin typeface="Cambria Math" panose="02040503050406030204" pitchFamily="18" charset="0"/>
+                            </a:rPr>
+                            <m:t>𝑥</m:t>
+                          </m:r>
+                        </m:e>
+                      </m:d>
+                      <m:r>
+                        <a:rPr lang="en-US" b="0" i="1" smtClean="0">
+                          <a:latin typeface="Cambria Math" panose="02040503050406030204" pitchFamily="18" charset="0"/>
+                        </a:rPr>
+                        <m:t>⋅</m:t>
+                      </m:r>
+                      <m:r>
+                        <a:rPr lang="en-US" b="0" i="1" smtClean="0">
+                          <a:latin typeface="Cambria Math" panose="02040503050406030204" pitchFamily="18" charset="0"/>
+                        </a:rPr>
+                        <m:t>𝑞</m:t>
+                      </m:r>
+                      <m:d>
+                        <m:dPr>
+                          <m:ctrlPr>
+                            <a:rPr lang="en-US" b="0" i="1" smtClean="0">
+                              <a:latin typeface="Cambria Math" panose="02040503050406030204" pitchFamily="18" charset="0"/>
+                            </a:rPr>
+                          </m:ctrlPr>
+                        </m:dPr>
+                        <m:e>
+                          <m:r>
+                            <a:rPr lang="en-US" b="0" i="1" smtClean="0">
+                              <a:latin typeface="Cambria Math" panose="02040503050406030204" pitchFamily="18" charset="0"/>
+                            </a:rPr>
+                            <m:t>𝑥</m:t>
+                          </m:r>
+                        </m:e>
+                      </m:d>
+                      <m:r>
+                        <a:rPr lang="en-US" b="0" i="1" smtClean="0">
+                          <a:latin typeface="Cambria Math" panose="02040503050406030204" pitchFamily="18" charset="0"/>
+                        </a:rPr>
+                        <m:t>+</m:t>
+                      </m:r>
+                      <m:r>
+                        <a:rPr lang="en-US" b="0" i="1" smtClean="0">
+                          <a:latin typeface="Cambria Math" panose="02040503050406030204" pitchFamily="18" charset="0"/>
+                        </a:rPr>
+                        <m:t>𝑟</m:t>
+                      </m:r>
+                      <m:d>
+                        <m:dPr>
+                          <m:ctrlPr>
+                            <a:rPr lang="en-US" b="0" i="1" smtClean="0">
+                              <a:latin typeface="Cambria Math" panose="02040503050406030204" pitchFamily="18" charset="0"/>
+                            </a:rPr>
+                          </m:ctrlPr>
+                        </m:dPr>
+                        <m:e>
+                          <m:r>
+                            <a:rPr lang="en-US" b="0" i="1" smtClean="0">
+                              <a:latin typeface="Cambria Math" panose="02040503050406030204" pitchFamily="18" charset="0"/>
+                            </a:rPr>
+                            <m:t>𝑥</m:t>
+                          </m:r>
+                        </m:e>
+                      </m:d>
+                      <m:r>
+                        <a:rPr lang="en-US" b="0" i="1" smtClean="0">
+                          <a:latin typeface="Cambria Math" panose="02040503050406030204" pitchFamily="18" charset="0"/>
+                        </a:rPr>
+                        <m:t>,</m:t>
+                      </m:r>
+                    </m:oMath>
+                    <m:oMath xmlns:m="http://schemas.openxmlformats.org/officeDocument/2006/math">
+                      <m:r>
+                        <a:rPr lang="en-US" b="0" i="1" smtClean="0">
+                          <a:latin typeface="Cambria Math" panose="02040503050406030204" pitchFamily="18" charset="0"/>
+                        </a:rPr>
+                        <m:t>𝑔</m:t>
+                      </m:r>
+                      <m:d>
+                        <m:dPr>
+                          <m:ctrlPr>
+                            <a:rPr lang="en-US" b="0" i="1" smtClean="0">
+                              <a:latin typeface="Cambria Math" panose="02040503050406030204" pitchFamily="18" charset="0"/>
+                            </a:rPr>
+                          </m:ctrlPr>
+                        </m:dPr>
+                        <m:e>
+                          <m:sSub>
+                            <m:sSubPr>
+                              <m:ctrlPr>
+                                <a:rPr lang="en-US" b="0" i="1" smtClean="0">
+                                  <a:latin typeface="Cambria Math" panose="02040503050406030204" pitchFamily="18" charset="0"/>
+                                </a:rPr>
+                              </m:ctrlPr>
+                            </m:sSubPr>
+                            <m:e>
+                              <m:r>
+                                <a:rPr lang="en-US" b="0" i="1" smtClean="0">
+                                  <a:latin typeface="Cambria Math" panose="02040503050406030204" pitchFamily="18" charset="0"/>
+                                </a:rPr>
+                                <m:t>𝑥</m:t>
+                              </m:r>
+                            </m:e>
+                            <m:sub>
+                              <m:r>
+                                <a:rPr lang="en-US" b="0" i="1" smtClean="0">
+                                  <a:latin typeface="Cambria Math" panose="02040503050406030204" pitchFamily="18" charset="0"/>
+                                </a:rPr>
+                                <m:t>0</m:t>
+                              </m:r>
+                            </m:sub>
+                          </m:sSub>
+                        </m:e>
+                      </m:d>
+                      <m:r>
+                        <a:rPr lang="en-US" b="0" i="1" smtClean="0">
+                          <a:latin typeface="Cambria Math" panose="02040503050406030204" pitchFamily="18" charset="0"/>
+                        </a:rPr>
+                        <m:t>=0</m:t>
+                      </m:r>
+                    </m:oMath>
+                    <m:oMath xmlns:m="http://schemas.openxmlformats.org/officeDocument/2006/math">
+                      <m:r>
+                        <a:rPr lang="en-US" b="0" i="1" smtClean="0">
+                          <a:latin typeface="Cambria Math" panose="02040503050406030204" pitchFamily="18" charset="0"/>
+                        </a:rPr>
+                        <m:t>𝑓</m:t>
+                      </m:r>
+                      <m:d>
+                        <m:dPr>
+                          <m:ctrlPr>
+                            <a:rPr lang="en-US" b="0" i="1" smtClean="0">
+                              <a:latin typeface="Cambria Math" panose="02040503050406030204" pitchFamily="18" charset="0"/>
+                            </a:rPr>
+                          </m:ctrlPr>
+                        </m:dPr>
+                        <m:e>
+                          <m:sSub>
+                            <m:sSubPr>
+                              <m:ctrlPr>
+                                <a:rPr lang="en-US" b="0" i="1" smtClean="0">
+                                  <a:latin typeface="Cambria Math" panose="02040503050406030204" pitchFamily="18" charset="0"/>
+                                </a:rPr>
+                              </m:ctrlPr>
+                            </m:sSubPr>
+                            <m:e>
+                              <m:r>
+                                <a:rPr lang="en-US" b="0" i="1" smtClean="0">
+                                  <a:latin typeface="Cambria Math" panose="02040503050406030204" pitchFamily="18" charset="0"/>
+                                </a:rPr>
+                                <m:t>𝑥</m:t>
+                              </m:r>
+                            </m:e>
+                            <m:sub>
+                              <m:r>
+                                <a:rPr lang="en-US" b="0" i="1" smtClean="0">
+                                  <a:latin typeface="Cambria Math" panose="02040503050406030204" pitchFamily="18" charset="0"/>
+                                </a:rPr>
+                                <m:t>0</m:t>
+                              </m:r>
+                            </m:sub>
+                          </m:sSub>
+                        </m:e>
+                      </m:d>
+                      <m:r>
+                        <a:rPr lang="en-US" b="0" i="1" smtClean="0">
+                          <a:latin typeface="Cambria Math" panose="02040503050406030204" pitchFamily="18" charset="0"/>
+                        </a:rPr>
+                        <m:t>=</m:t>
+                      </m:r>
+                      <m:r>
+                        <a:rPr lang="en-US" b="0" i="1" smtClean="0">
+                          <a:latin typeface="Cambria Math" panose="02040503050406030204" pitchFamily="18" charset="0"/>
+                        </a:rPr>
+                        <m:t>𝑔</m:t>
+                      </m:r>
+                      <m:d>
+                        <m:dPr>
+                          <m:ctrlPr>
+                            <a:rPr lang="en-US" b="0" i="1" smtClean="0">
+                              <a:latin typeface="Cambria Math" panose="02040503050406030204" pitchFamily="18" charset="0"/>
+                            </a:rPr>
+                          </m:ctrlPr>
+                        </m:dPr>
+                        <m:e>
+                          <m:sSub>
+                            <m:sSubPr>
+                              <m:ctrlPr>
+                                <a:rPr lang="en-US" b="0" i="1" smtClean="0">
+                                  <a:latin typeface="Cambria Math" panose="02040503050406030204" pitchFamily="18" charset="0"/>
+                                </a:rPr>
+                              </m:ctrlPr>
+                            </m:sSubPr>
+                            <m:e>
+                              <m:r>
+                                <a:rPr lang="en-US" b="0" i="1" smtClean="0">
+                                  <a:latin typeface="Cambria Math" panose="02040503050406030204" pitchFamily="18" charset="0"/>
+                                </a:rPr>
+                                <m:t>𝑥</m:t>
+                              </m:r>
+                            </m:e>
+                            <m:sub>
+                              <m:r>
+                                <a:rPr lang="en-US" b="0" i="1" smtClean="0">
+                                  <a:latin typeface="Cambria Math" panose="02040503050406030204" pitchFamily="18" charset="0"/>
+                                </a:rPr>
+                                <m:t>0</m:t>
+                              </m:r>
+                            </m:sub>
+                          </m:sSub>
+                        </m:e>
+                      </m:d>
+                      <m:r>
+                        <a:rPr lang="en-US" b="0" i="1" smtClean="0">
+                          <a:latin typeface="Cambria Math" panose="02040503050406030204" pitchFamily="18" charset="0"/>
+                        </a:rPr>
+                        <m:t>⋅0+</m:t>
+                      </m:r>
+                      <m:r>
+                        <a:rPr lang="en-US" b="0" i="1" smtClean="0">
+                          <a:latin typeface="Cambria Math" panose="02040503050406030204" pitchFamily="18" charset="0"/>
+                        </a:rPr>
+                        <m:t>𝑟</m:t>
+                      </m:r>
+                      <m:d>
+                        <m:dPr>
+                          <m:ctrlPr>
+                            <a:rPr lang="en-US" b="0" i="1" smtClean="0">
+                              <a:latin typeface="Cambria Math" panose="02040503050406030204" pitchFamily="18" charset="0"/>
+                            </a:rPr>
+                          </m:ctrlPr>
+                        </m:dPr>
+                        <m:e>
+                          <m:sSub>
+                            <m:sSubPr>
+                              <m:ctrlPr>
+                                <a:rPr lang="en-US" b="0" i="1" smtClean="0">
+                                  <a:latin typeface="Cambria Math" panose="02040503050406030204" pitchFamily="18" charset="0"/>
+                                </a:rPr>
+                              </m:ctrlPr>
+                            </m:sSubPr>
+                            <m:e>
+                              <m:r>
+                                <a:rPr lang="en-US" b="0" i="1" smtClean="0">
+                                  <a:latin typeface="Cambria Math" panose="02040503050406030204" pitchFamily="18" charset="0"/>
+                                </a:rPr>
+                                <m:t>𝑥</m:t>
+                              </m:r>
+                            </m:e>
+                            <m:sub>
+                              <m:r>
+                                <a:rPr lang="en-US" b="0" i="1" smtClean="0">
+                                  <a:latin typeface="Cambria Math" panose="02040503050406030204" pitchFamily="18" charset="0"/>
+                                </a:rPr>
+                                <m:t>0</m:t>
+                              </m:r>
+                            </m:sub>
+                          </m:sSub>
+                        </m:e>
+                      </m:d>
+                      <m:r>
+                        <a:rPr lang="en-US" b="0" i="1" smtClean="0">
+                          <a:latin typeface="Cambria Math" panose="02040503050406030204" pitchFamily="18" charset="0"/>
+                        </a:rPr>
+                        <m:t>=</m:t>
+                      </m:r>
+                      <m:r>
+                        <a:rPr lang="en-US" b="0" i="1" smtClean="0">
+                          <a:latin typeface="Cambria Math" panose="02040503050406030204" pitchFamily="18" charset="0"/>
+                        </a:rPr>
+                        <m:t>𝑟</m:t>
+                      </m:r>
+                      <m:r>
+                        <a:rPr lang="en-US" b="0" i="1" smtClean="0">
+                          <a:latin typeface="Cambria Math" panose="02040503050406030204" pitchFamily="18" charset="0"/>
+                        </a:rPr>
+                        <m:t>(</m:t>
+                      </m:r>
+                      <m:sSub>
+                        <m:sSubPr>
+                          <m:ctrlPr>
+                            <a:rPr lang="en-US" b="0" i="1" smtClean="0">
+                              <a:latin typeface="Cambria Math" panose="02040503050406030204" pitchFamily="18" charset="0"/>
+                            </a:rPr>
+                          </m:ctrlPr>
+                        </m:sSubPr>
+                        <m:e>
+                          <m:r>
+                            <a:rPr lang="en-US" b="0" i="1" smtClean="0">
+                              <a:latin typeface="Cambria Math" panose="02040503050406030204" pitchFamily="18" charset="0"/>
+                            </a:rPr>
+                            <m:t>𝑥</m:t>
+                          </m:r>
+                        </m:e>
+                        <m:sub>
+                          <m:r>
+                            <a:rPr lang="en-US" b="0" i="1" smtClean="0">
+                              <a:latin typeface="Cambria Math" panose="02040503050406030204" pitchFamily="18" charset="0"/>
+                            </a:rPr>
+                            <m:t>0</m:t>
+                          </m:r>
+                        </m:sub>
+                      </m:sSub>
+                      <m:r>
+                        <a:rPr lang="en-US" b="0" i="1" smtClean="0">
+                          <a:latin typeface="Cambria Math" panose="02040503050406030204" pitchFamily="18" charset="0"/>
+                        </a:rPr>
+                        <m:t>)</m:t>
+                      </m:r>
+                    </m:oMath>
+                  </m:oMathPara>
+                </a14:m>
+                <a:endParaRPr lang="en-US" b="0" dirty="0" smtClean="0"/>
+              </a:p>
+            </p:txBody>
+          </p:sp>
+        </mc:Choice>
+        <mc:Fallback xmlns="">
+          <p:sp>
+            <p:nvSpPr>
+              <p:cNvPr id="3" name="TextBox 2"/>
+              <p:cNvSpPr txBox="1">
+                <a:spLocks noRot="1" noChangeAspect="1" noMove="1" noResize="1" noEditPoints="1" noAdjustHandles="1" noChangeArrowheads="1" noChangeShapeType="1" noTextEdit="1"/>
+              </p:cNvSpPr>
+              <p:nvPr/>
+            </p:nvSpPr>
+            <p:spPr>
+              <a:xfrm>
+                <a:off x="6464300" y="4391322"/>
+                <a:ext cx="5016500" cy="923330"/>
+              </a:xfrm>
+              <a:prstGeom prst="rect">
+                <a:avLst/>
+              </a:prstGeom>
+              <a:blipFill>
+                <a:blip r:embed="rId5"/>
+                <a:stretch>
+                  <a:fillRect b="-4605"/>
+                </a:stretch>
+              </a:blipFill>
+            </p:spPr>
+            <p:txBody>
+              <a:bodyPr/>
+              <a:lstStyle/>
+              <a:p>
+                <a:r>
+                  <a:rPr lang="ru-RU">
+                    <a:noFill/>
+                  </a:rPr>
+                  <a:t> </a:t>
+                </a:r>
+              </a:p>
+            </p:txBody>
+          </p:sp>
         </mc:Fallback>
       </mc:AlternateContent>
     </p:spTree>
@@ -9958,6 +10407,33 @@
                                   </p:childTnLst>
                                 </p:cTn>
                               </p:par>
+                              <p:par>
+                                <p:cTn id="15" presetID="1" presetClass="entr" presetSubtype="0" fill="hold" grpId="0" nodeType="withEffect">
+                                  <p:stCondLst>
+                                    <p:cond delay="0"/>
+                                  </p:stCondLst>
+                                  <p:childTnLst>
+                                    <p:set>
+                                      <p:cBhvr>
+                                        <p:cTn id="16" dur="1" fill="hold">
+                                          <p:stCondLst>
+                                            <p:cond delay="0"/>
+                                          </p:stCondLst>
+                                        </p:cTn>
+                                        <p:tgtEl>
+                                          <p:spTgt spid="3"/>
+                                        </p:tgtEl>
+                                        <p:attrNameLst>
+                                          <p:attrName>style.visibility</p:attrName>
+                                        </p:attrNameLst>
+                                      </p:cBhvr>
+                                      <p:to>
+                                        <p:strVal val="visible"/>
+                                      </p:to>
+                                    </p:set>
+                                  </p:childTnLst>
+                                </p:cTn>
+                              </p:par>
                             </p:childTnLst>
                           </p:cTn>
                         </p:par>
@@ -9985,6 +10461,9 @@
         </p:cTn>
       </p:par>
     </p:tnLst>
+    <p:bldLst>
+      <p:bldP spid="3" grpId="0"/>
+    </p:bldLst>
   </p:timing>
 </p:sld>
 </file>
@@ -12169,133 +12648,6 @@
       </p:grpSpPr>
       <p:sp>
         <p:nvSpPr>
-          <p:cNvPr id="2" name="Заголовок 1"/>
-          <p:cNvSpPr>
-            <a:spLocks noGrp="1"/>
-          </p:cNvSpPr>
-          <p:nvPr>
-            <p:ph type="title"/>
-          </p:nvPr>
-        </p:nvSpPr>
-        <p:spPr/>
-        <p:txBody>
-          <a:bodyPr/>
-          <a:lstStyle/>
-          <a:p>
-            <a:pPr algn="ctr"/>
-            <a:r>
-              <a:rPr lang="ru-RU" dirty="0" smtClean="0"/>
-              <a:t>Нерешенные задачи?</a:t>
-            </a:r>
-            <a:endParaRPr lang="ru-RU" dirty="0"/>
-          </a:p>
-        </p:txBody>
-      </p:sp>
-      <p:sp>
-        <p:nvSpPr>
-          <p:cNvPr id="4" name="Номер слайда 3"/>
-          <p:cNvSpPr>
-            <a:spLocks noGrp="1"/>
-          </p:cNvSpPr>
-          <p:nvPr>
-            <p:ph type="sldNum" sz="quarter" idx="12"/>
-          </p:nvPr>
-        </p:nvSpPr>
-        <p:spPr/>
-        <p:txBody>
-          <a:bodyPr/>
-          <a:lstStyle/>
-          <a:p>
-            <a:fld id="{2C16EDE9-34EA-433C-8CF1-E682C892DCCE}" type="slidenum">
-              <a:rPr lang="ru-RU" smtClean="0"/>
-              <a:t>20</a:t>
-            </a:fld>
-            <a:endParaRPr lang="ru-RU"/>
-          </a:p>
-        </p:txBody>
-      </p:sp>
-      <p:pic>
-        <p:nvPicPr>
-          <p:cNvPr id="1026" name="Picture 2" descr="https://res.cloudinary.com/teepublic/image/private/s--bMgKZGwg--/t_Preview/b_rgb:ffffff,c_limit,f_jpg,h_630,q_90,w_630/v1527009462/production/designs/2713887_0.jpg"/>
-          <p:cNvPicPr>
-            <a:picLocks noGrp="1" noChangeAspect="1" noChangeArrowheads="1"/>
-          </p:cNvPicPr>
-          <p:nvPr>
-            <p:ph idx="1"/>
-          </p:nvPr>
-        </p:nvPicPr>
-        <p:blipFill>
-          <a:blip r:embed="rId2">
-            <a:extLst>
-              <a:ext uri="{28A0092B-C50C-407E-A947-70E740481C1C}">
-                <a14:useLocalDpi xmlns:a14="http://schemas.microsoft.com/office/drawing/2010/main" val="0"/>
-              </a:ext>
-            </a:extLst>
-          </a:blip>
-          <a:srcRect/>
-          <a:stretch>
-            <a:fillRect/>
-          </a:stretch>
-        </p:blipFill>
-        <p:spPr bwMode="auto">
-          <a:xfrm>
-            <a:off x="3920331" y="1847850"/>
-            <a:ext cx="4351338" cy="4351338"/>
-          </a:xfrm>
-          <a:prstGeom prst="rect">
-            <a:avLst/>
-          </a:prstGeom>
-          <a:noFill/>
-          <a:extLst>
-            <a:ext uri="{909E8E84-426E-40DD-AFC4-6F175D3DCCD1}">
-              <a14:hiddenFill xmlns:a14="http://schemas.microsoft.com/office/drawing/2010/main">
-                <a:solidFill>
-                  <a:srgbClr val="FFFFFF"/>
-                </a:solidFill>
-              </a14:hiddenFill>
-            </a:ext>
-          </a:extLst>
-        </p:spPr>
-      </p:pic>
-    </p:spTree>
-    <p:extLst>
-      <p:ext uri="{BB962C8B-B14F-4D97-AF65-F5344CB8AC3E}">
-        <p14:creationId xmlns:p14="http://schemas.microsoft.com/office/powerpoint/2010/main" val="2052022455"/>
-      </p:ext>
-    </p:extLst>
-  </p:cSld>
-  <p:clrMapOvr>
-    <a:masterClrMapping/>
-  </p:clrMapOvr>
-  <p:timing>
-    <p:tnLst>
-      <p:par>
-        <p:cTn id="1" dur="indefinite" restart="never" nodeType="tmRoot"/>
-      </p:par>
-    </p:tnLst>
-  </p:timing>
-</p:sld>
-</file>
-
-<file path=ppt/slides/slide21.xml><?xml version="1.0" encoding="utf-8"?>
-<p:sld xmlns:a="http://schemas.openxmlformats.org/drawingml/2006/main" xmlns:r="http://schemas.openxmlformats.org/officeDocument/2006/relationships" xmlns:p="http://schemas.openxmlformats.org/presentationml/2006/main">
-  <p:cSld>
-    <p:spTree>
-      <p:nvGrpSpPr>
-        <p:cNvPr id="1" name=""/>
-        <p:cNvGrpSpPr/>
-        <p:nvPr/>
-      </p:nvGrpSpPr>
-      <p:grpSpPr>
-        <a:xfrm>
-          <a:off x="0" y="0"/>
-          <a:ext cx="0" cy="0"/>
-          <a:chOff x="0" y="0"/>
-          <a:chExt cx="0" cy="0"/>
-        </a:xfrm>
-      </p:grpSpPr>
-      <p:sp>
-        <p:nvSpPr>
           <p:cNvPr id="5" name="Заголовок 4"/>
           <p:cNvSpPr>
             <a:spLocks noGrp="1"/>
@@ -12507,7 +12859,7 @@
           <a:p>
             <a:fld id="{2C16EDE9-34EA-433C-8CF1-E682C892DCCE}" type="slidenum">
               <a:rPr lang="ru-RU" smtClean="0"/>
-              <a:t>21</a:t>
+              <a:t>20</a:t>
             </a:fld>
             <a:endParaRPr lang="ru-RU"/>
           </a:p>
@@ -12533,7 +12885,7 @@
 </p:sld>
 </file>
 
-<file path=ppt/slides/slide22.xml><?xml version="1.0" encoding="utf-8"?>
+<file path=ppt/slides/slide21.xml><?xml version="1.0" encoding="utf-8"?>
 <p:sld xmlns:a="http://schemas.openxmlformats.org/drawingml/2006/main" xmlns:r="http://schemas.openxmlformats.org/officeDocument/2006/relationships" xmlns:p="http://schemas.openxmlformats.org/presentationml/2006/main">
   <p:cSld>
     <p:spTree>
@@ -12567,7 +12919,7 @@
           <a:p>
             <a:fld id="{2C16EDE9-34EA-433C-8CF1-E682C892DCCE}" type="slidenum">
               <a:rPr lang="ru-RU" smtClean="0"/>
-              <a:t>22</a:t>
+              <a:t>21</a:t>
             </a:fld>
             <a:endParaRPr lang="ru-RU"/>
           </a:p>
@@ -12617,7 +12969,7 @@
 </p:sld>
 </file>
 
-<file path=ppt/slides/slide23.xml><?xml version="1.0" encoding="utf-8"?>
+<file path=ppt/slides/slide22.xml><?xml version="1.0" encoding="utf-8"?>
 <p:sld xmlns:a="http://schemas.openxmlformats.org/drawingml/2006/main" xmlns:r="http://schemas.openxmlformats.org/officeDocument/2006/relationships" xmlns:p="http://schemas.openxmlformats.org/presentationml/2006/main">
   <p:cSld>
     <p:spTree>
@@ -12651,7 +13003,7 @@
           <a:p>
             <a:fld id="{2C16EDE9-34EA-433C-8CF1-E682C892DCCE}" type="slidenum">
               <a:rPr lang="ru-RU" smtClean="0"/>
-              <a:t>23</a:t>
+              <a:t>22</a:t>
             </a:fld>
             <a:endParaRPr lang="ru-RU"/>
           </a:p>
@@ -12677,7 +13029,7 @@
 </p:sld>
 </file>
 
-<file path=ppt/slides/slide24.xml><?xml version="1.0" encoding="utf-8"?>
+<file path=ppt/slides/slide23.xml><?xml version="1.0" encoding="utf-8"?>
 <p:sld xmlns:a="http://schemas.openxmlformats.org/drawingml/2006/main" xmlns:r="http://schemas.openxmlformats.org/officeDocument/2006/relationships" xmlns:p="http://schemas.openxmlformats.org/presentationml/2006/main">
   <p:cSld>
     <p:spTree>
@@ -12711,7 +13063,7 @@
           <a:p>
             <a:fld id="{2C16EDE9-34EA-433C-8CF1-E682C892DCCE}" type="slidenum">
               <a:rPr lang="ru-RU" smtClean="0"/>
-              <a:t>24</a:t>
+              <a:t>23</a:t>
             </a:fld>
             <a:endParaRPr lang="ru-RU"/>
           </a:p>
@@ -12785,7 +13137,7 @@
 </p:sld>
 </file>
 
-<file path=ppt/slides/slide25.xml><?xml version="1.0" encoding="utf-8"?>
+<file path=ppt/slides/slide24.xml><?xml version="1.0" encoding="utf-8"?>
 <p:sld xmlns:a="http://schemas.openxmlformats.org/drawingml/2006/main" xmlns:r="http://schemas.openxmlformats.org/officeDocument/2006/relationships" xmlns:p="http://schemas.openxmlformats.org/presentationml/2006/main">
   <p:cSld>
     <p:spTree>
@@ -12819,7 +13171,7 @@
           <a:p>
             <a:fld id="{2C16EDE9-34EA-433C-8CF1-E682C892DCCE}" type="slidenum">
               <a:rPr lang="ru-RU" smtClean="0"/>
-              <a:t>25</a:t>
+              <a:t>24</a:t>
             </a:fld>
             <a:endParaRPr lang="ru-RU"/>
           </a:p>
@@ -12869,7 +13221,7 @@
 </p:sld>
 </file>
 
-<file path=ppt/slides/slide26.xml><?xml version="1.0" encoding="utf-8"?>
+<file path=ppt/slides/slide25.xml><?xml version="1.0" encoding="utf-8"?>
 <p:sld xmlns:a="http://schemas.openxmlformats.org/drawingml/2006/main" xmlns:r="http://schemas.openxmlformats.org/officeDocument/2006/relationships" xmlns:p="http://schemas.openxmlformats.org/presentationml/2006/main">
   <p:cSld>
     <p:spTree>
@@ -12903,7 +13255,7 @@
           <a:p>
             <a:fld id="{2C16EDE9-34EA-433C-8CF1-E682C892DCCE}" type="slidenum">
               <a:rPr lang="ru-RU" smtClean="0"/>
-              <a:t>26</a:t>
+              <a:t>25</a:t>
             </a:fld>
             <a:endParaRPr lang="ru-RU"/>
           </a:p>
@@ -17987,15 +18339,7 @@
             </a:pPr>
             <a:r>
               <a:rPr lang="ru-RU" sz="3600" dirty="0" smtClean="0"/>
-              <a:t>Умеем проверять истинность утверждений </a:t>
-            </a:r>
-            <a:r>
-              <a:rPr lang="ru-RU" sz="3600" dirty="0" smtClean="0"/>
-              <a:t>элементарной </a:t>
-            </a:r>
-            <a:r>
-              <a:rPr lang="ru-RU" sz="3600" dirty="0" smtClean="0"/>
-              <a:t>геометрии</a:t>
+              <a:t>Умеем проверять истинность утверждений элементарной геометрии</a:t>
             </a:r>
             <a:endParaRPr lang="ru-RU" sz="3600" dirty="0"/>
           </a:p>

--- a/Материалы к конференции Путь в науку 2020/Путь в науку.pptx
+++ b/Материалы к конференции Путь в науку 2020/Путь в науку.pptx
@@ -221,7 +221,7 @@
           <a:p>
             <a:fld id="{55E86DC5-133C-41F2-B854-563B9599BBFC}" type="datetimeFigureOut">
               <a:rPr lang="ru-RU" smtClean="0"/>
-              <a:t>13.05.2020</a:t>
+              <a:t>08.06.2020</a:t>
             </a:fld>
             <a:endParaRPr lang="ru-RU"/>
           </a:p>
@@ -620,7 +620,7 @@
           <a:p>
             <a:fld id="{3352739A-F188-49EE-BA9B-116219FE2F71}" type="datetime1">
               <a:rPr lang="ru-RU" smtClean="0"/>
-              <a:t>13.05.2020</a:t>
+              <a:t>08.06.2020</a:t>
             </a:fld>
             <a:endParaRPr lang="ru-RU"/>
           </a:p>
@@ -790,7 +790,7 @@
           <a:p>
             <a:fld id="{F2BF63C2-D68B-40BB-9B19-864262FE305E}" type="datetime1">
               <a:rPr lang="ru-RU" smtClean="0"/>
-              <a:t>13.05.2020</a:t>
+              <a:t>08.06.2020</a:t>
             </a:fld>
             <a:endParaRPr lang="ru-RU"/>
           </a:p>
@@ -970,7 +970,7 @@
           <a:p>
             <a:fld id="{930A9250-0DAC-43D4-9721-EA2D9FEBAEF1}" type="datetime1">
               <a:rPr lang="ru-RU" smtClean="0"/>
-              <a:t>13.05.2020</a:t>
+              <a:t>08.06.2020</a:t>
             </a:fld>
             <a:endParaRPr lang="ru-RU"/>
           </a:p>
@@ -1140,7 +1140,7 @@
           <a:p>
             <a:fld id="{F8D3ED09-53F3-4A31-8361-60C7CBDA6140}" type="datetime1">
               <a:rPr lang="ru-RU" smtClean="0"/>
-              <a:t>13.05.2020</a:t>
+              <a:t>08.06.2020</a:t>
             </a:fld>
             <a:endParaRPr lang="ru-RU"/>
           </a:p>
@@ -1386,7 +1386,7 @@
           <a:p>
             <a:fld id="{E69DD5F4-91C8-47C7-9EF3-20ECF2391395}" type="datetime1">
               <a:rPr lang="ru-RU" smtClean="0"/>
-              <a:t>13.05.2020</a:t>
+              <a:t>08.06.2020</a:t>
             </a:fld>
             <a:endParaRPr lang="ru-RU"/>
           </a:p>
@@ -1618,7 +1618,7 @@
           <a:p>
             <a:fld id="{F01AC3F8-22C5-4F1C-96DE-D9B89AEF1DA2}" type="datetime1">
               <a:rPr lang="ru-RU" smtClean="0"/>
-              <a:t>13.05.2020</a:t>
+              <a:t>08.06.2020</a:t>
             </a:fld>
             <a:endParaRPr lang="ru-RU"/>
           </a:p>
@@ -1985,7 +1985,7 @@
           <a:p>
             <a:fld id="{87F636F0-C795-4D58-BA37-155C6C3EDE4F}" type="datetime1">
               <a:rPr lang="ru-RU" smtClean="0"/>
-              <a:t>13.05.2020</a:t>
+              <a:t>08.06.2020</a:t>
             </a:fld>
             <a:endParaRPr lang="ru-RU"/>
           </a:p>
@@ -2103,7 +2103,7 @@
           <a:p>
             <a:fld id="{A55C2C05-7BE7-418C-BDA9-E08579AF981A}" type="datetime1">
               <a:rPr lang="ru-RU" smtClean="0"/>
-              <a:t>13.05.2020</a:t>
+              <a:t>08.06.2020</a:t>
             </a:fld>
             <a:endParaRPr lang="ru-RU"/>
           </a:p>
@@ -2198,7 +2198,7 @@
           <a:p>
             <a:fld id="{BCBE0E79-FF60-405C-8303-6FE9924DA59A}" type="datetime1">
               <a:rPr lang="ru-RU" smtClean="0"/>
-              <a:t>13.05.2020</a:t>
+              <a:t>08.06.2020</a:t>
             </a:fld>
             <a:endParaRPr lang="ru-RU"/>
           </a:p>
@@ -2475,7 +2475,7 @@
           <a:p>
             <a:fld id="{405D1FEC-015B-4544-872D-5DCA4A521EB1}" type="datetime1">
               <a:rPr lang="ru-RU" smtClean="0"/>
-              <a:t>13.05.2020</a:t>
+              <a:t>08.06.2020</a:t>
             </a:fld>
             <a:endParaRPr lang="ru-RU"/>
           </a:p>
@@ -2728,7 +2728,7 @@
           <a:p>
             <a:fld id="{3923FED8-A967-437F-B2CB-B783BE9CED33}" type="datetime1">
               <a:rPr lang="ru-RU" smtClean="0"/>
-              <a:t>13.05.2020</a:t>
+              <a:t>08.06.2020</a:t>
             </a:fld>
             <a:endParaRPr lang="ru-RU"/>
           </a:p>
@@ -2941,7 +2941,7 @@
           <a:p>
             <a:fld id="{58C781C5-26FE-4BA6-BE01-01CC8E3DCD96}" type="datetime1">
               <a:rPr lang="ru-RU" smtClean="0"/>
-              <a:t>13.05.2020</a:t>
+              <a:t>08.06.2020</a:t>
             </a:fld>
             <a:endParaRPr lang="ru-RU"/>
           </a:p>
@@ -3397,11 +3397,7 @@
           <a:p>
             <a:r>
               <a:rPr lang="ru-RU" dirty="0" smtClean="0"/>
-              <a:t>Описание и </a:t>
-            </a:r>
-            <a:r>
-              <a:rPr lang="ru-RU" dirty="0" smtClean="0"/>
-              <a:t>реализация</a:t>
+              <a:t>Описание и реализация</a:t>
             </a:r>
           </a:p>
           <a:p>
@@ -3416,7 +3412,6 @@
               <a:rPr lang="ru-RU" i="1" dirty="0" smtClean="0"/>
               <a:t>Гибадулин Роман</a:t>
             </a:r>
-            <a:endParaRPr lang="ru-RU" i="1" dirty="0" smtClean="0"/>
           </a:p>
         </p:txBody>
       </p:sp>
@@ -11766,8 +11761,20 @@
           <a:p>
             <a:r>
               <a:rPr lang="en-US" dirty="0"/>
-              <a:t>.NET Core, C# 8.0</a:t>
+              <a:t>.NET Core, C# </a:t>
             </a:r>
+            <a:r>
+              <a:rPr lang="en-US" dirty="0" smtClean="0"/>
+              <a:t>8.0</a:t>
+            </a:r>
+            <a:endParaRPr lang="ru-RU" dirty="0" smtClean="0"/>
+          </a:p>
+          <a:p>
+            <a:r>
+              <a:rPr lang="ru-RU" dirty="0" smtClean="0"/>
+              <a:t>Система ввода формул</a:t>
+            </a:r>
+            <a:endParaRPr lang="en-US" dirty="0"/>
           </a:p>
           <a:p>
             <a:r>
@@ -12036,6 +12043,55 @@
                       </p:childTnLst>
                     </p:cTn>
                   </p:par>
+                  <p:par>
+                    <p:cTn id="19" fill="hold">
+                      <p:stCondLst>
+                        <p:cond delay="indefinite"/>
+                      </p:stCondLst>
+                      <p:childTnLst>
+                        <p:par>
+                          <p:cTn id="20" fill="hold">
+                            <p:stCondLst>
+                              <p:cond delay="0"/>
+                            </p:stCondLst>
+                            <p:childTnLst>
+                              <p:par>
+                                <p:cTn id="21" presetID="1" presetClass="entr" presetSubtype="0" fill="hold" grpId="0" nodeType="clickEffect">
+                                  <p:stCondLst>
+                                    <p:cond delay="0"/>
+                                  </p:stCondLst>
+                                  <p:childTnLst>
+                                    <p:set>
+                                      <p:cBhvr>
+                                        <p:cTn id="22" dur="1" fill="hold">
+                                          <p:stCondLst>
+                                            <p:cond delay="0"/>
+                                          </p:stCondLst>
+                                        </p:cTn>
+                                        <p:tgtEl>
+                                          <p:spTgt spid="3">
+                                            <p:txEl>
+                                              <p:pRg st="4" end="4"/>
+                                            </p:txEl>
+                                          </p:spTgt>
+                                        </p:tgtEl>
+                                        <p:attrNameLst>
+                                          <p:attrName>style.visibility</p:attrName>
+                                        </p:attrNameLst>
+                                      </p:cBhvr>
+                                      <p:to>
+                                        <p:strVal val="visible"/>
+                                      </p:to>
+                                    </p:set>
+                                  </p:childTnLst>
+                                </p:cTn>
+                              </p:par>
+                            </p:childTnLst>
+                          </p:cTn>
+                        </p:par>
+                      </p:childTnLst>
+                    </p:cTn>
+                  </p:par>
                 </p:childTnLst>
               </p:cTn>
               <p:prevCondLst>
@@ -12121,24 +12177,20 @@
           <a:lstStyle/>
           <a:p>
             <a:r>
-              <a:rPr lang="ru-RU" dirty="0" smtClean="0"/>
-              <a:t>Система ввода и вывода</a:t>
+              <a:rPr lang="ru-RU" dirty="0" smtClean="0">
+                <a:solidFill>
+                  <a:srgbClr val="FF0000"/>
+                </a:solidFill>
+              </a:rPr>
+              <a:t>Насыщение </a:t>
             </a:r>
-          </a:p>
-          <a:p>
-            <a:r>
-              <a:rPr lang="ru-RU" dirty="0" smtClean="0"/>
-              <a:t> Пользовательский интерфейс</a:t>
-            </a:r>
-          </a:p>
-          <a:p>
             <a:r>
               <a:rPr lang="ru-RU" dirty="0" smtClean="0">
                 <a:solidFill>
                   <a:srgbClr val="FF0000"/>
                 </a:solidFill>
               </a:rPr>
-              <a:t>Насыщение системы в общем случае</a:t>
+              <a:t>системы в общем случае</a:t>
             </a:r>
           </a:p>
           <a:p>
@@ -12307,33 +12359,15 @@
                                   </p:childTnLst>
                                 </p:cTn>
                               </p:par>
-                            </p:childTnLst>
-                          </p:cTn>
-                        </p:par>
-                      </p:childTnLst>
-                    </p:cTn>
-                  </p:par>
-                  <p:par>
-                    <p:cTn id="11" fill="hold">
-                      <p:stCondLst>
-                        <p:cond delay="indefinite"/>
-                      </p:stCondLst>
-                      <p:childTnLst>
-                        <p:par>
-                          <p:cTn id="12" fill="hold">
-                            <p:stCondLst>
-                              <p:cond delay="0"/>
-                            </p:stCondLst>
-                            <p:childTnLst>
                               <p:par>
-                                <p:cTn id="13" presetID="1" presetClass="entr" presetSubtype="0" fill="hold" grpId="0" nodeType="clickEffect">
+                                <p:cTn id="11" presetID="1" presetClass="entr" presetSubtype="0" fill="hold" grpId="0" nodeType="withEffect">
                                   <p:stCondLst>
                                     <p:cond delay="0"/>
                                   </p:stCondLst>
                                   <p:childTnLst>
                                     <p:set>
                                       <p:cBhvr>
-                                        <p:cTn id="14" dur="1" fill="hold">
+                                        <p:cTn id="12" dur="1" fill="hold">
                                           <p:stCondLst>
                                             <p:cond delay="0"/>
                                           </p:stCondLst>
@@ -12356,33 +12390,15 @@
                                   </p:childTnLst>
                                 </p:cTn>
                               </p:par>
-                            </p:childTnLst>
-                          </p:cTn>
-                        </p:par>
-                      </p:childTnLst>
-                    </p:cTn>
-                  </p:par>
-                  <p:par>
-                    <p:cTn id="15" fill="hold">
-                      <p:stCondLst>
-                        <p:cond delay="indefinite"/>
-                      </p:stCondLst>
-                      <p:childTnLst>
-                        <p:par>
-                          <p:cTn id="16" fill="hold">
-                            <p:stCondLst>
-                              <p:cond delay="0"/>
-                            </p:stCondLst>
-                            <p:childTnLst>
                               <p:par>
-                                <p:cTn id="17" presetID="1" presetClass="entr" presetSubtype="0" fill="hold" grpId="0" nodeType="clickEffect">
+                                <p:cTn id="13" presetID="1" presetClass="entr" presetSubtype="0" fill="hold" grpId="0" nodeType="withEffect">
                                   <p:stCondLst>
                                     <p:cond delay="0"/>
                                   </p:stCondLst>
                                   <p:childTnLst>
                                     <p:set>
                                       <p:cBhvr>
-                                        <p:cTn id="18" dur="1" fill="hold">
+                                        <p:cTn id="14" dur="1" fill="hold">
                                           <p:stCondLst>
                                             <p:cond delay="0"/>
                                           </p:stCondLst>
@@ -12391,68 +12407,6 @@
                                           <p:spTgt spid="3">
                                             <p:txEl>
                                               <p:pRg st="3" end="3"/>
-                                            </p:txEl>
-                                          </p:spTgt>
-                                        </p:tgtEl>
-                                        <p:attrNameLst>
-                                          <p:attrName>style.visibility</p:attrName>
-                                        </p:attrNameLst>
-                                      </p:cBhvr>
-                                      <p:to>
-                                        <p:strVal val="visible"/>
-                                      </p:to>
-                                    </p:set>
-                                  </p:childTnLst>
-                                </p:cTn>
-                              </p:par>
-                              <p:par>
-                                <p:cTn id="19" presetID="1" presetClass="entr" presetSubtype="0" fill="hold" grpId="0" nodeType="withEffect">
-                                  <p:stCondLst>
-                                    <p:cond delay="0"/>
-                                  </p:stCondLst>
-                                  <p:childTnLst>
-                                    <p:set>
-                                      <p:cBhvr>
-                                        <p:cTn id="20" dur="1" fill="hold">
-                                          <p:stCondLst>
-                                            <p:cond delay="0"/>
-                                          </p:stCondLst>
-                                        </p:cTn>
-                                        <p:tgtEl>
-                                          <p:spTgt spid="3">
-                                            <p:txEl>
-                                              <p:pRg st="4" end="4"/>
-                                            </p:txEl>
-                                          </p:spTgt>
-                                        </p:tgtEl>
-                                        <p:attrNameLst>
-                                          <p:attrName>style.visibility</p:attrName>
-                                        </p:attrNameLst>
-                                      </p:cBhvr>
-                                      <p:to>
-                                        <p:strVal val="visible"/>
-                                      </p:to>
-                                    </p:set>
-                                  </p:childTnLst>
-                                </p:cTn>
-                              </p:par>
-                              <p:par>
-                                <p:cTn id="21" presetID="1" presetClass="entr" presetSubtype="0" fill="hold" grpId="0" nodeType="withEffect">
-                                  <p:stCondLst>
-                                    <p:cond delay="0"/>
-                                  </p:stCondLst>
-                                  <p:childTnLst>
-                                    <p:set>
-                                      <p:cBhvr>
-                                        <p:cTn id="22" dur="1" fill="hold">
-                                          <p:stCondLst>
-                                            <p:cond delay="0"/>
-                                          </p:stCondLst>
-                                        </p:cTn>
-                                        <p:tgtEl>
-                                          <p:spTgt spid="3">
-                                            <p:txEl>
-                                              <p:pRg st="5" end="5"/>
                                             </p:txEl>
                                           </p:spTgt>
                                         </p:tgtEl>
@@ -14277,3001 +14231,32 @@
           </a:p>
         </p:txBody>
       </p:sp>
-      <mc:AlternateContent xmlns:mc="http://schemas.openxmlformats.org/markup-compatibility/2006" xmlns:a14="http://schemas.microsoft.com/office/drawing/2010/main">
-        <mc:Choice Requires="a14">
-          <p:sp>
-            <p:nvSpPr>
-              <p:cNvPr id="3" name="Объект 2"/>
-              <p:cNvSpPr>
-                <a:spLocks noGrp="1"/>
-              </p:cNvSpPr>
-              <p:nvPr>
-                <p:ph idx="1"/>
-              </p:nvPr>
-            </p:nvSpPr>
-            <p:spPr>
-              <a:xfrm>
-                <a:off x="838200" y="1511300"/>
-                <a:ext cx="10515600" cy="4665663"/>
-              </a:xfrm>
-            </p:spPr>
-            <p:txBody>
-              <a:bodyPr>
-                <a:normAutofit/>
-              </a:bodyPr>
-              <a:lstStyle/>
-              <a:p>
-                <a:pPr marL="0" indent="0" algn="ctr">
-                  <a:buNone/>
-                </a:pPr>
-                <a14:m>
-                  <m:oMath xmlns:m="http://schemas.openxmlformats.org/officeDocument/2006/math">
-                    <m:r>
-                      <a:rPr lang="en-US" b="0" i="1" smtClean="0">
-                        <a:latin typeface="Cambria Math" panose="02040503050406030204" pitchFamily="18" charset="0"/>
-                      </a:rPr>
-                      <m:t>(</m:t>
-                    </m:r>
-                    <m:r>
-                      <a:rPr lang="en-US" b="0" i="1" smtClean="0">
-                        <a:latin typeface="Cambria Math" panose="02040503050406030204" pitchFamily="18" charset="0"/>
-                        <a:ea typeface="Cambria Math" panose="02040503050406030204" pitchFamily="18" charset="0"/>
-                      </a:rPr>
-                      <m:t>∀</m:t>
-                    </m:r>
-                    <m:sSub>
-                      <m:sSubPr>
-                        <m:ctrlPr>
-                          <a:rPr lang="en-US" b="0" i="1" smtClean="0">
-                            <a:latin typeface="Cambria Math" panose="02040503050406030204" pitchFamily="18" charset="0"/>
-                            <a:ea typeface="Cambria Math" panose="02040503050406030204" pitchFamily="18" charset="0"/>
-                          </a:rPr>
-                        </m:ctrlPr>
-                      </m:sSubPr>
-                      <m:e>
-                        <m:r>
-                          <a:rPr lang="en-US" b="0" i="1" smtClean="0">
-                            <a:latin typeface="Cambria Math" panose="02040503050406030204" pitchFamily="18" charset="0"/>
-                            <a:ea typeface="Cambria Math" panose="02040503050406030204" pitchFamily="18" charset="0"/>
-                          </a:rPr>
-                          <m:t>𝑥</m:t>
-                        </m:r>
-                      </m:e>
-                      <m:sub>
-                        <m:r>
-                          <a:rPr lang="en-US" b="0" i="1" smtClean="0">
-                            <a:latin typeface="Cambria Math" panose="02040503050406030204" pitchFamily="18" charset="0"/>
-                            <a:ea typeface="Cambria Math" panose="02040503050406030204" pitchFamily="18" charset="0"/>
-                          </a:rPr>
-                          <m:t>1</m:t>
-                        </m:r>
-                      </m:sub>
-                    </m:sSub>
-                    <m:r>
-                      <a:rPr lang="en-US" b="0" i="1" smtClean="0">
-                        <a:latin typeface="Cambria Math" panose="02040503050406030204" pitchFamily="18" charset="0"/>
-                      </a:rPr>
-                      <m:t>)(</m:t>
-                    </m:r>
-                    <m:r>
-                      <a:rPr lang="en-US" b="0" i="1" smtClean="0">
-                        <a:latin typeface="Cambria Math" panose="02040503050406030204" pitchFamily="18" charset="0"/>
-                        <a:ea typeface="Cambria Math" panose="02040503050406030204" pitchFamily="18" charset="0"/>
-                      </a:rPr>
-                      <m:t>∀</m:t>
-                    </m:r>
-                    <m:sSub>
-                      <m:sSubPr>
-                        <m:ctrlPr>
-                          <a:rPr lang="en-US" b="0" i="1" smtClean="0">
-                            <a:latin typeface="Cambria Math" panose="02040503050406030204" pitchFamily="18" charset="0"/>
-                            <a:ea typeface="Cambria Math" panose="02040503050406030204" pitchFamily="18" charset="0"/>
-                          </a:rPr>
-                        </m:ctrlPr>
-                      </m:sSubPr>
-                      <m:e>
-                        <m:r>
-                          <a:rPr lang="en-US" b="0" i="1" smtClean="0">
-                            <a:latin typeface="Cambria Math" panose="02040503050406030204" pitchFamily="18" charset="0"/>
-                            <a:ea typeface="Cambria Math" panose="02040503050406030204" pitchFamily="18" charset="0"/>
-                          </a:rPr>
-                          <m:t>𝑦</m:t>
-                        </m:r>
-                      </m:e>
-                      <m:sub>
-                        <m:r>
-                          <a:rPr lang="en-US" b="0" i="1" smtClean="0">
-                            <a:latin typeface="Cambria Math" panose="02040503050406030204" pitchFamily="18" charset="0"/>
-                            <a:ea typeface="Cambria Math" panose="02040503050406030204" pitchFamily="18" charset="0"/>
-                          </a:rPr>
-                          <m:t>1</m:t>
-                        </m:r>
-                      </m:sub>
-                    </m:sSub>
-                    <m:r>
-                      <a:rPr lang="en-US" b="0" i="1" smtClean="0">
-                        <a:latin typeface="Cambria Math" panose="02040503050406030204" pitchFamily="18" charset="0"/>
-                      </a:rPr>
-                      <m:t>)(</m:t>
-                    </m:r>
-                    <m:r>
-                      <a:rPr lang="en-US" b="0" i="1" smtClean="0">
-                        <a:latin typeface="Cambria Math" panose="02040503050406030204" pitchFamily="18" charset="0"/>
-                        <a:ea typeface="Cambria Math" panose="02040503050406030204" pitchFamily="18" charset="0"/>
-                      </a:rPr>
-                      <m:t>∀</m:t>
-                    </m:r>
-                    <m:sSub>
-                      <m:sSubPr>
-                        <m:ctrlPr>
-                          <a:rPr lang="en-US" b="0" i="1" smtClean="0">
-                            <a:latin typeface="Cambria Math" panose="02040503050406030204" pitchFamily="18" charset="0"/>
-                            <a:ea typeface="Cambria Math" panose="02040503050406030204" pitchFamily="18" charset="0"/>
-                          </a:rPr>
-                        </m:ctrlPr>
-                      </m:sSubPr>
-                      <m:e>
-                        <m:r>
-                          <a:rPr lang="en-US" b="0" i="1" smtClean="0">
-                            <a:latin typeface="Cambria Math" panose="02040503050406030204" pitchFamily="18" charset="0"/>
-                            <a:ea typeface="Cambria Math" panose="02040503050406030204" pitchFamily="18" charset="0"/>
-                          </a:rPr>
-                          <m:t>𝑥</m:t>
-                        </m:r>
-                      </m:e>
-                      <m:sub>
-                        <m:r>
-                          <a:rPr lang="en-US" b="0" i="1" smtClean="0">
-                            <a:latin typeface="Cambria Math" panose="02040503050406030204" pitchFamily="18" charset="0"/>
-                            <a:ea typeface="Cambria Math" panose="02040503050406030204" pitchFamily="18" charset="0"/>
-                          </a:rPr>
-                          <m:t>2</m:t>
-                        </m:r>
-                      </m:sub>
-                    </m:sSub>
-                    <m:r>
-                      <a:rPr lang="en-US" b="0" i="1" smtClean="0">
-                        <a:latin typeface="Cambria Math" panose="02040503050406030204" pitchFamily="18" charset="0"/>
-                      </a:rPr>
-                      <m:t>)(</m:t>
-                    </m:r>
-                    <m:r>
-                      <a:rPr lang="en-US" b="0" i="1" smtClean="0">
-                        <a:latin typeface="Cambria Math" panose="02040503050406030204" pitchFamily="18" charset="0"/>
-                        <a:ea typeface="Cambria Math" panose="02040503050406030204" pitchFamily="18" charset="0"/>
-                      </a:rPr>
-                      <m:t>∀</m:t>
-                    </m:r>
-                    <m:sSub>
-                      <m:sSubPr>
-                        <m:ctrlPr>
-                          <a:rPr lang="en-US" b="0" i="1" smtClean="0">
-                            <a:latin typeface="Cambria Math" panose="02040503050406030204" pitchFamily="18" charset="0"/>
-                            <a:ea typeface="Cambria Math" panose="02040503050406030204" pitchFamily="18" charset="0"/>
-                          </a:rPr>
-                        </m:ctrlPr>
-                      </m:sSubPr>
-                      <m:e>
-                        <m:r>
-                          <a:rPr lang="en-US" b="0" i="1" smtClean="0">
-                            <a:latin typeface="Cambria Math" panose="02040503050406030204" pitchFamily="18" charset="0"/>
-                            <a:ea typeface="Cambria Math" panose="02040503050406030204" pitchFamily="18" charset="0"/>
-                          </a:rPr>
-                          <m:t>𝑦</m:t>
-                        </m:r>
-                      </m:e>
-                      <m:sub>
-                        <m:r>
-                          <a:rPr lang="en-US" b="0" i="1" smtClean="0">
-                            <a:latin typeface="Cambria Math" panose="02040503050406030204" pitchFamily="18" charset="0"/>
-                            <a:ea typeface="Cambria Math" panose="02040503050406030204" pitchFamily="18" charset="0"/>
-                          </a:rPr>
-                          <m:t>2</m:t>
-                        </m:r>
-                      </m:sub>
-                    </m:sSub>
-                    <m:r>
-                      <a:rPr lang="en-US" b="0" i="1" smtClean="0">
-                        <a:latin typeface="Cambria Math" panose="02040503050406030204" pitchFamily="18" charset="0"/>
-                      </a:rPr>
-                      <m:t>)(</m:t>
-                    </m:r>
-                    <m:r>
-                      <a:rPr lang="en-US" b="0" i="1" smtClean="0">
-                        <a:latin typeface="Cambria Math" panose="02040503050406030204" pitchFamily="18" charset="0"/>
-                        <a:ea typeface="Cambria Math" panose="02040503050406030204" pitchFamily="18" charset="0"/>
-                      </a:rPr>
-                      <m:t>∀</m:t>
-                    </m:r>
-                    <m:sSub>
-                      <m:sSubPr>
-                        <m:ctrlPr>
-                          <a:rPr lang="en-US" b="0" i="1" smtClean="0">
-                            <a:latin typeface="Cambria Math" panose="02040503050406030204" pitchFamily="18" charset="0"/>
-                            <a:ea typeface="Cambria Math" panose="02040503050406030204" pitchFamily="18" charset="0"/>
-                          </a:rPr>
-                        </m:ctrlPr>
-                      </m:sSubPr>
-                      <m:e>
-                        <m:r>
-                          <a:rPr lang="en-US" b="0" i="1" smtClean="0">
-                            <a:latin typeface="Cambria Math" panose="02040503050406030204" pitchFamily="18" charset="0"/>
-                            <a:ea typeface="Cambria Math" panose="02040503050406030204" pitchFamily="18" charset="0"/>
-                          </a:rPr>
-                          <m:t>𝑥</m:t>
-                        </m:r>
-                      </m:e>
-                      <m:sub>
-                        <m:r>
-                          <a:rPr lang="en-US" b="0" i="1" smtClean="0">
-                            <a:latin typeface="Cambria Math" panose="02040503050406030204" pitchFamily="18" charset="0"/>
-                            <a:ea typeface="Cambria Math" panose="02040503050406030204" pitchFamily="18" charset="0"/>
-                          </a:rPr>
-                          <m:t>3</m:t>
-                        </m:r>
-                      </m:sub>
-                    </m:sSub>
-                    <m:r>
-                      <a:rPr lang="en-US" b="0" i="1" smtClean="0">
-                        <a:latin typeface="Cambria Math" panose="02040503050406030204" pitchFamily="18" charset="0"/>
-                      </a:rPr>
-                      <m:t>)(</m:t>
-                    </m:r>
-                    <m:r>
-                      <a:rPr lang="en-US" b="0" i="1" smtClean="0">
-                        <a:latin typeface="Cambria Math" panose="02040503050406030204" pitchFamily="18" charset="0"/>
-                        <a:ea typeface="Cambria Math" panose="02040503050406030204" pitchFamily="18" charset="0"/>
-                      </a:rPr>
-                      <m:t>∀</m:t>
-                    </m:r>
-                    <m:sSub>
-                      <m:sSubPr>
-                        <m:ctrlPr>
-                          <a:rPr lang="en-US" b="0" i="1" smtClean="0">
-                            <a:latin typeface="Cambria Math" panose="02040503050406030204" pitchFamily="18" charset="0"/>
-                            <a:ea typeface="Cambria Math" panose="02040503050406030204" pitchFamily="18" charset="0"/>
-                          </a:rPr>
-                        </m:ctrlPr>
-                      </m:sSubPr>
-                      <m:e>
-                        <m:r>
-                          <a:rPr lang="en-US" b="0" i="1" smtClean="0">
-                            <a:latin typeface="Cambria Math" panose="02040503050406030204" pitchFamily="18" charset="0"/>
-                            <a:ea typeface="Cambria Math" panose="02040503050406030204" pitchFamily="18" charset="0"/>
-                          </a:rPr>
-                          <m:t>𝑦</m:t>
-                        </m:r>
-                      </m:e>
-                      <m:sub>
-                        <m:r>
-                          <a:rPr lang="en-US" b="0" i="1" smtClean="0">
-                            <a:latin typeface="Cambria Math" panose="02040503050406030204" pitchFamily="18" charset="0"/>
-                            <a:ea typeface="Cambria Math" panose="02040503050406030204" pitchFamily="18" charset="0"/>
-                          </a:rPr>
-                          <m:t>3</m:t>
-                        </m:r>
-                      </m:sub>
-                    </m:sSub>
-                    <m:r>
-                      <a:rPr lang="en-US" b="0" i="1" smtClean="0">
-                        <a:latin typeface="Cambria Math" panose="02040503050406030204" pitchFamily="18" charset="0"/>
-                      </a:rPr>
-                      <m:t>)(</m:t>
-                    </m:r>
-                    <m:r>
-                      <a:rPr lang="en-US" b="0" i="1" smtClean="0">
-                        <a:latin typeface="Cambria Math" panose="02040503050406030204" pitchFamily="18" charset="0"/>
-                        <a:ea typeface="Cambria Math" panose="02040503050406030204" pitchFamily="18" charset="0"/>
-                      </a:rPr>
-                      <m:t>∃</m:t>
-                    </m:r>
-                    <m:sSub>
-                      <m:sSubPr>
-                        <m:ctrlPr>
-                          <a:rPr lang="en-US" b="0" i="1" smtClean="0">
-                            <a:latin typeface="Cambria Math" panose="02040503050406030204" pitchFamily="18" charset="0"/>
-                            <a:ea typeface="Cambria Math" panose="02040503050406030204" pitchFamily="18" charset="0"/>
-                          </a:rPr>
-                        </m:ctrlPr>
-                      </m:sSubPr>
-                      <m:e>
-                        <m:r>
-                          <a:rPr lang="en-US" b="0" i="1" smtClean="0">
-                            <a:latin typeface="Cambria Math" panose="02040503050406030204" pitchFamily="18" charset="0"/>
-                            <a:ea typeface="Cambria Math" panose="02040503050406030204" pitchFamily="18" charset="0"/>
-                          </a:rPr>
-                          <m:t>𝑥</m:t>
-                        </m:r>
-                      </m:e>
-                      <m:sub>
-                        <m:r>
-                          <a:rPr lang="en-US" b="0" i="1" smtClean="0">
-                            <a:latin typeface="Cambria Math" panose="02040503050406030204" pitchFamily="18" charset="0"/>
-                            <a:ea typeface="Cambria Math" panose="02040503050406030204" pitchFamily="18" charset="0"/>
-                          </a:rPr>
-                          <m:t>4</m:t>
-                        </m:r>
-                      </m:sub>
-                    </m:sSub>
-                    <m:r>
-                      <a:rPr lang="en-US" b="0" i="1" smtClean="0">
-                        <a:latin typeface="Cambria Math" panose="02040503050406030204" pitchFamily="18" charset="0"/>
-                      </a:rPr>
-                      <m:t>)(</m:t>
-                    </m:r>
-                    <m:r>
-                      <a:rPr lang="en-US" b="0" i="1" smtClean="0">
-                        <a:latin typeface="Cambria Math" panose="02040503050406030204" pitchFamily="18" charset="0"/>
-                        <a:ea typeface="Cambria Math" panose="02040503050406030204" pitchFamily="18" charset="0"/>
-                      </a:rPr>
-                      <m:t>∃</m:t>
-                    </m:r>
-                    <m:sSub>
-                      <m:sSubPr>
-                        <m:ctrlPr>
-                          <a:rPr lang="en-US" b="0" i="1" smtClean="0">
-                            <a:latin typeface="Cambria Math" panose="02040503050406030204" pitchFamily="18" charset="0"/>
-                            <a:ea typeface="Cambria Math" panose="02040503050406030204" pitchFamily="18" charset="0"/>
-                          </a:rPr>
-                        </m:ctrlPr>
-                      </m:sSubPr>
-                      <m:e>
-                        <m:r>
-                          <a:rPr lang="en-US" b="0" i="1" smtClean="0">
-                            <a:latin typeface="Cambria Math" panose="02040503050406030204" pitchFamily="18" charset="0"/>
-                            <a:ea typeface="Cambria Math" panose="02040503050406030204" pitchFamily="18" charset="0"/>
-                          </a:rPr>
-                          <m:t>𝑦</m:t>
-                        </m:r>
-                      </m:e>
-                      <m:sub>
-                        <m:r>
-                          <a:rPr lang="en-US" b="0" i="1" smtClean="0">
-                            <a:latin typeface="Cambria Math" panose="02040503050406030204" pitchFamily="18" charset="0"/>
-                            <a:ea typeface="Cambria Math" panose="02040503050406030204" pitchFamily="18" charset="0"/>
-                          </a:rPr>
-                          <m:t>4</m:t>
-                        </m:r>
-                      </m:sub>
-                    </m:sSub>
-                    <m:r>
-                      <a:rPr lang="en-US" b="0" i="1" smtClean="0">
-                        <a:latin typeface="Cambria Math" panose="02040503050406030204" pitchFamily="18" charset="0"/>
-                      </a:rPr>
-                      <m:t>)(</m:t>
-                    </m:r>
-                    <m:r>
-                      <a:rPr lang="en-US" b="0" i="1" smtClean="0">
-                        <a:latin typeface="Cambria Math" panose="02040503050406030204" pitchFamily="18" charset="0"/>
-                        <a:ea typeface="Cambria Math" panose="02040503050406030204" pitchFamily="18" charset="0"/>
-                      </a:rPr>
-                      <m:t>∃</m:t>
-                    </m:r>
-                    <m:sSub>
-                      <m:sSubPr>
-                        <m:ctrlPr>
-                          <a:rPr lang="en-US" b="0" i="1" smtClean="0">
-                            <a:latin typeface="Cambria Math" panose="02040503050406030204" pitchFamily="18" charset="0"/>
-                            <a:ea typeface="Cambria Math" panose="02040503050406030204" pitchFamily="18" charset="0"/>
-                          </a:rPr>
-                        </m:ctrlPr>
-                      </m:sSubPr>
-                      <m:e>
-                        <m:r>
-                          <a:rPr lang="en-US" b="0" i="1" smtClean="0">
-                            <a:latin typeface="Cambria Math" panose="02040503050406030204" pitchFamily="18" charset="0"/>
-                            <a:ea typeface="Cambria Math" panose="02040503050406030204" pitchFamily="18" charset="0"/>
-                          </a:rPr>
-                          <m:t>𝑥</m:t>
-                        </m:r>
-                      </m:e>
-                      <m:sub>
-                        <m:r>
-                          <a:rPr lang="en-US" b="0" i="1" smtClean="0">
-                            <a:latin typeface="Cambria Math" panose="02040503050406030204" pitchFamily="18" charset="0"/>
-                            <a:ea typeface="Cambria Math" panose="02040503050406030204" pitchFamily="18" charset="0"/>
-                          </a:rPr>
-                          <m:t>5</m:t>
-                        </m:r>
-                      </m:sub>
-                    </m:sSub>
-                    <m:r>
-                      <a:rPr lang="en-US" b="0" i="1" smtClean="0">
-                        <a:latin typeface="Cambria Math" panose="02040503050406030204" pitchFamily="18" charset="0"/>
-                      </a:rPr>
-                      <m:t>)(</m:t>
-                    </m:r>
-                    <m:r>
-                      <a:rPr lang="en-US" b="0" i="1" smtClean="0">
-                        <a:latin typeface="Cambria Math" panose="02040503050406030204" pitchFamily="18" charset="0"/>
-                        <a:ea typeface="Cambria Math" panose="02040503050406030204" pitchFamily="18" charset="0"/>
-                      </a:rPr>
-                      <m:t>∃</m:t>
-                    </m:r>
-                    <m:sSub>
-                      <m:sSubPr>
-                        <m:ctrlPr>
-                          <a:rPr lang="en-US" b="0" i="1" smtClean="0">
-                            <a:latin typeface="Cambria Math" panose="02040503050406030204" pitchFamily="18" charset="0"/>
-                            <a:ea typeface="Cambria Math" panose="02040503050406030204" pitchFamily="18" charset="0"/>
-                          </a:rPr>
-                        </m:ctrlPr>
-                      </m:sSubPr>
-                      <m:e>
-                        <m:r>
-                          <a:rPr lang="en-US" b="0" i="1" smtClean="0">
-                            <a:latin typeface="Cambria Math" panose="02040503050406030204" pitchFamily="18" charset="0"/>
-                            <a:ea typeface="Cambria Math" panose="02040503050406030204" pitchFamily="18" charset="0"/>
-                          </a:rPr>
-                          <m:t>𝑦</m:t>
-                        </m:r>
-                      </m:e>
-                      <m:sub>
-                        <m:r>
-                          <a:rPr lang="en-US" b="0" i="1" smtClean="0">
-                            <a:latin typeface="Cambria Math" panose="02040503050406030204" pitchFamily="18" charset="0"/>
-                            <a:ea typeface="Cambria Math" panose="02040503050406030204" pitchFamily="18" charset="0"/>
-                          </a:rPr>
-                          <m:t>5</m:t>
-                        </m:r>
-                      </m:sub>
-                    </m:sSub>
-                    <m:r>
-                      <a:rPr lang="en-US" b="0" i="1" smtClean="0">
-                        <a:latin typeface="Cambria Math" panose="02040503050406030204" pitchFamily="18" charset="0"/>
-                      </a:rPr>
-                      <m:t>)</m:t>
-                    </m:r>
-                  </m:oMath>
-                </a14:m>
-                <a:r>
-                  <a:rPr lang="en-US" b="0" dirty="0" smtClean="0"/>
-                  <a:t> </a:t>
-                </a:r>
-                <a14:m>
-                  <m:oMath xmlns:m="http://schemas.openxmlformats.org/officeDocument/2006/math">
-                    <m:r>
-                      <a:rPr lang="en-US" b="0" i="1" smtClean="0">
-                        <a:latin typeface="Cambria Math" panose="02040503050406030204" pitchFamily="18" charset="0"/>
-                      </a:rPr>
-                      <m:t>(</m:t>
-                    </m:r>
-                    <m:r>
-                      <a:rPr lang="en-US" b="0" i="1" smtClean="0">
-                        <a:latin typeface="Cambria Math" panose="02040503050406030204" pitchFamily="18" charset="0"/>
-                        <a:ea typeface="Cambria Math" panose="02040503050406030204" pitchFamily="18" charset="0"/>
-                      </a:rPr>
-                      <m:t>∃</m:t>
-                    </m:r>
-                    <m:sSub>
-                      <m:sSubPr>
-                        <m:ctrlPr>
-                          <a:rPr lang="en-US" b="0" i="1" smtClean="0">
-                            <a:latin typeface="Cambria Math" panose="02040503050406030204" pitchFamily="18" charset="0"/>
-                            <a:ea typeface="Cambria Math" panose="02040503050406030204" pitchFamily="18" charset="0"/>
-                          </a:rPr>
-                        </m:ctrlPr>
-                      </m:sSubPr>
-                      <m:e>
-                        <m:r>
-                          <a:rPr lang="en-US" b="0" i="1" smtClean="0">
-                            <a:latin typeface="Cambria Math" panose="02040503050406030204" pitchFamily="18" charset="0"/>
-                            <a:ea typeface="Cambria Math" panose="02040503050406030204" pitchFamily="18" charset="0"/>
-                          </a:rPr>
-                          <m:t>𝑥</m:t>
-                        </m:r>
-                      </m:e>
-                      <m:sub>
-                        <m:r>
-                          <a:rPr lang="en-US" b="0" i="1" smtClean="0">
-                            <a:latin typeface="Cambria Math" panose="02040503050406030204" pitchFamily="18" charset="0"/>
-                            <a:ea typeface="Cambria Math" panose="02040503050406030204" pitchFamily="18" charset="0"/>
-                          </a:rPr>
-                          <m:t>6</m:t>
-                        </m:r>
-                      </m:sub>
-                    </m:sSub>
-                    <m:r>
-                      <a:rPr lang="en-US" b="0" i="1" smtClean="0">
-                        <a:latin typeface="Cambria Math" panose="02040503050406030204" pitchFamily="18" charset="0"/>
-                      </a:rPr>
-                      <m:t>)(</m:t>
-                    </m:r>
-                    <m:r>
-                      <a:rPr lang="en-US" b="0" i="1" smtClean="0">
-                        <a:latin typeface="Cambria Math" panose="02040503050406030204" pitchFamily="18" charset="0"/>
-                        <a:ea typeface="Cambria Math" panose="02040503050406030204" pitchFamily="18" charset="0"/>
-                      </a:rPr>
-                      <m:t>∃</m:t>
-                    </m:r>
-                    <m:sSub>
-                      <m:sSubPr>
-                        <m:ctrlPr>
-                          <a:rPr lang="en-US" b="0" i="1" smtClean="0">
-                            <a:latin typeface="Cambria Math" panose="02040503050406030204" pitchFamily="18" charset="0"/>
-                            <a:ea typeface="Cambria Math" panose="02040503050406030204" pitchFamily="18" charset="0"/>
-                          </a:rPr>
-                        </m:ctrlPr>
-                      </m:sSubPr>
-                      <m:e>
-                        <m:r>
-                          <a:rPr lang="en-US" b="0" i="1" smtClean="0">
-                            <a:latin typeface="Cambria Math" panose="02040503050406030204" pitchFamily="18" charset="0"/>
-                            <a:ea typeface="Cambria Math" panose="02040503050406030204" pitchFamily="18" charset="0"/>
-                          </a:rPr>
-                          <m:t>𝑦</m:t>
-                        </m:r>
-                      </m:e>
-                      <m:sub>
-                        <m:r>
-                          <a:rPr lang="en-US" b="0" i="1" smtClean="0">
-                            <a:latin typeface="Cambria Math" panose="02040503050406030204" pitchFamily="18" charset="0"/>
-                            <a:ea typeface="Cambria Math" panose="02040503050406030204" pitchFamily="18" charset="0"/>
-                          </a:rPr>
-                          <m:t>6</m:t>
-                        </m:r>
-                      </m:sub>
-                    </m:sSub>
-                    <m:r>
-                      <a:rPr lang="en-US" b="0" i="1" smtClean="0">
-                        <a:latin typeface="Cambria Math" panose="02040503050406030204" pitchFamily="18" charset="0"/>
-                      </a:rPr>
-                      <m:t>)</m:t>
-                    </m:r>
-                  </m:oMath>
-                </a14:m>
-                <a:r>
-                  <a:rPr lang="en-US" b="0" dirty="0" smtClean="0"/>
-                  <a:t> </a:t>
-                </a:r>
-                <a14:m>
-                  <m:oMath xmlns:m="http://schemas.openxmlformats.org/officeDocument/2006/math">
-                    <m:d>
-                      <m:dPr>
-                        <m:ctrlPr>
-                          <a:rPr lang="en-US" b="0" i="1" smtClean="0">
-                            <a:latin typeface="Cambria Math" panose="02040503050406030204" pitchFamily="18" charset="0"/>
-                            <a:ea typeface="Cambria Math" panose="02040503050406030204" pitchFamily="18" charset="0"/>
-                          </a:rPr>
-                        </m:ctrlPr>
-                      </m:dPr>
-                      <m:e>
-                        <m:r>
-                          <a:rPr lang="en-US" b="0" i="1" smtClean="0">
-                            <a:latin typeface="Cambria Math" panose="02040503050406030204" pitchFamily="18" charset="0"/>
-                            <a:ea typeface="Cambria Math" panose="02040503050406030204" pitchFamily="18" charset="0"/>
-                          </a:rPr>
-                          <m:t>∃</m:t>
-                        </m:r>
-                        <m:sSub>
-                          <m:sSubPr>
-                            <m:ctrlPr>
-                              <a:rPr lang="en-US" b="0" i="1" smtClean="0">
-                                <a:latin typeface="Cambria Math" panose="02040503050406030204" pitchFamily="18" charset="0"/>
-                                <a:ea typeface="Cambria Math" panose="02040503050406030204" pitchFamily="18" charset="0"/>
-                              </a:rPr>
-                            </m:ctrlPr>
-                          </m:sSubPr>
-                          <m:e>
-                            <m:r>
-                              <a:rPr lang="en-US" b="0" i="1" smtClean="0">
-                                <a:latin typeface="Cambria Math" panose="02040503050406030204" pitchFamily="18" charset="0"/>
-                                <a:ea typeface="Cambria Math" panose="02040503050406030204" pitchFamily="18" charset="0"/>
-                              </a:rPr>
-                              <m:t>𝑥</m:t>
-                            </m:r>
-                          </m:e>
-                          <m:sub>
-                            <m:r>
-                              <a:rPr lang="en-US" b="0" i="1" smtClean="0">
-                                <a:latin typeface="Cambria Math" panose="02040503050406030204" pitchFamily="18" charset="0"/>
-                                <a:ea typeface="Cambria Math" panose="02040503050406030204" pitchFamily="18" charset="0"/>
-                              </a:rPr>
-                              <m:t>7</m:t>
-                            </m:r>
-                          </m:sub>
-                        </m:sSub>
-                      </m:e>
-                    </m:d>
-                    <m:d>
-                      <m:dPr>
-                        <m:ctrlPr>
-                          <a:rPr lang="en-US" b="0" i="1" smtClean="0">
-                            <a:latin typeface="Cambria Math" panose="02040503050406030204" pitchFamily="18" charset="0"/>
-                            <a:ea typeface="Cambria Math" panose="02040503050406030204" pitchFamily="18" charset="0"/>
-                          </a:rPr>
-                        </m:ctrlPr>
-                      </m:dPr>
-                      <m:e>
-                        <m:r>
-                          <a:rPr lang="en-US" b="0" i="1" smtClean="0">
-                            <a:latin typeface="Cambria Math" panose="02040503050406030204" pitchFamily="18" charset="0"/>
-                            <a:ea typeface="Cambria Math" panose="02040503050406030204" pitchFamily="18" charset="0"/>
-                          </a:rPr>
-                          <m:t>∃</m:t>
-                        </m:r>
-                        <m:sSub>
-                          <m:sSubPr>
-                            <m:ctrlPr>
-                              <a:rPr lang="en-US" b="0" i="1" smtClean="0">
-                                <a:latin typeface="Cambria Math" panose="02040503050406030204" pitchFamily="18" charset="0"/>
-                                <a:ea typeface="Cambria Math" panose="02040503050406030204" pitchFamily="18" charset="0"/>
-                              </a:rPr>
-                            </m:ctrlPr>
-                          </m:sSubPr>
-                          <m:e>
-                            <m:r>
-                              <a:rPr lang="en-US" b="0" i="1" smtClean="0">
-                                <a:latin typeface="Cambria Math" panose="02040503050406030204" pitchFamily="18" charset="0"/>
-                                <a:ea typeface="Cambria Math" panose="02040503050406030204" pitchFamily="18" charset="0"/>
-                              </a:rPr>
-                              <m:t>𝑦</m:t>
-                            </m:r>
-                          </m:e>
-                          <m:sub>
-                            <m:r>
-                              <a:rPr lang="en-US" b="0" i="1" smtClean="0">
-                                <a:latin typeface="Cambria Math" panose="02040503050406030204" pitchFamily="18" charset="0"/>
-                                <a:ea typeface="Cambria Math" panose="02040503050406030204" pitchFamily="18" charset="0"/>
-                              </a:rPr>
-                              <m:t>7</m:t>
-                            </m:r>
-                          </m:sub>
-                        </m:sSub>
-                      </m:e>
-                    </m:d>
-                  </m:oMath>
-                </a14:m>
-                <a:r>
-                  <a:rPr lang="en-US" b="0" i="1" dirty="0" smtClean="0">
-                    <a:latin typeface="Cambria Math" panose="02040503050406030204" pitchFamily="18" charset="0"/>
-                  </a:rPr>
-                  <a:t/>
-                </a:r>
-                <a:br>
-                  <a:rPr lang="en-US" b="0" i="1" dirty="0" smtClean="0">
-                    <a:latin typeface="Cambria Math" panose="02040503050406030204" pitchFamily="18" charset="0"/>
-                  </a:rPr>
-                </a:br>
-                <a14:m>
-                  <m:oMathPara xmlns:m="http://schemas.openxmlformats.org/officeDocument/2006/math">
-                    <m:oMathParaPr>
-                      <m:jc m:val="center"/>
-                    </m:oMathParaPr>
-                    <m:oMath xmlns:m="http://schemas.openxmlformats.org/officeDocument/2006/math">
-                      <m:r>
-                        <a:rPr lang="en-US" b="0" i="1" smtClean="0">
-                          <a:latin typeface="Cambria Math" panose="02040503050406030204" pitchFamily="18" charset="0"/>
-                        </a:rPr>
-                        <m:t>(</m:t>
-                      </m:r>
-                      <m:d>
-                        <m:dPr>
-                          <m:ctrlPr>
-                            <a:rPr lang="en-US" b="0" i="1" smtClean="0">
-                              <a:latin typeface="Cambria Math" panose="02040503050406030204" pitchFamily="18" charset="0"/>
-                            </a:rPr>
-                          </m:ctrlPr>
-                        </m:dPr>
-                        <m:e>
-                          <m:sSub>
-                            <m:sSubPr>
-                              <m:ctrlPr>
-                                <a:rPr lang="en-US" b="0" i="1" smtClean="0">
-                                  <a:latin typeface="Cambria Math" panose="02040503050406030204" pitchFamily="18" charset="0"/>
-                                </a:rPr>
-                              </m:ctrlPr>
-                            </m:sSubPr>
-                            <m:e>
-                              <m:r>
-                                <a:rPr lang="en-US" b="0" i="1" smtClean="0">
-                                  <a:latin typeface="Cambria Math" panose="02040503050406030204" pitchFamily="18" charset="0"/>
-                                </a:rPr>
-                                <m:t>𝑥</m:t>
-                              </m:r>
-                            </m:e>
-                            <m:sub>
-                              <m:r>
-                                <a:rPr lang="en-US" b="0" i="1" smtClean="0">
-                                  <a:latin typeface="Cambria Math" panose="02040503050406030204" pitchFamily="18" charset="0"/>
-                                </a:rPr>
-                                <m:t>1</m:t>
-                              </m:r>
-                            </m:sub>
-                          </m:sSub>
-                          <m:r>
-                            <a:rPr lang="en-US" b="0" i="1" smtClean="0">
-                              <a:latin typeface="Cambria Math" panose="02040503050406030204" pitchFamily="18" charset="0"/>
-                            </a:rPr>
-                            <m:t>−</m:t>
-                          </m:r>
-                          <m:sSub>
-                            <m:sSubPr>
-                              <m:ctrlPr>
-                                <a:rPr lang="en-US" b="0" i="1" smtClean="0">
-                                  <a:latin typeface="Cambria Math" panose="02040503050406030204" pitchFamily="18" charset="0"/>
-                                </a:rPr>
-                              </m:ctrlPr>
-                            </m:sSubPr>
-                            <m:e>
-                              <m:r>
-                                <a:rPr lang="en-US" b="0" i="1" smtClean="0">
-                                  <a:latin typeface="Cambria Math" panose="02040503050406030204" pitchFamily="18" charset="0"/>
-                                </a:rPr>
-                                <m:t>𝑥</m:t>
-                              </m:r>
-                            </m:e>
-                            <m:sub>
-                              <m:r>
-                                <a:rPr lang="en-US" b="0" i="1" smtClean="0">
-                                  <a:latin typeface="Cambria Math" panose="02040503050406030204" pitchFamily="18" charset="0"/>
-                                </a:rPr>
-                                <m:t>4</m:t>
-                              </m:r>
-                            </m:sub>
-                          </m:sSub>
-                        </m:e>
-                      </m:d>
-                      <m:d>
-                        <m:dPr>
-                          <m:ctrlPr>
-                            <a:rPr lang="en-US" b="0" i="1" smtClean="0">
-                              <a:latin typeface="Cambria Math" panose="02040503050406030204" pitchFamily="18" charset="0"/>
-                            </a:rPr>
-                          </m:ctrlPr>
-                        </m:dPr>
-                        <m:e>
-                          <m:sSub>
-                            <m:sSubPr>
-                              <m:ctrlPr>
-                                <a:rPr lang="en-US" b="0" i="1" smtClean="0">
-                                  <a:latin typeface="Cambria Math" panose="02040503050406030204" pitchFamily="18" charset="0"/>
-                                </a:rPr>
-                              </m:ctrlPr>
-                            </m:sSubPr>
-                            <m:e>
-                              <m:r>
-                                <a:rPr lang="en-US" b="0" i="1" smtClean="0">
-                                  <a:latin typeface="Cambria Math" panose="02040503050406030204" pitchFamily="18" charset="0"/>
-                                </a:rPr>
-                                <m:t>𝑥</m:t>
-                              </m:r>
-                            </m:e>
-                            <m:sub>
-                              <m:r>
-                                <a:rPr lang="en-US" b="0" i="1" smtClean="0">
-                                  <a:latin typeface="Cambria Math" panose="02040503050406030204" pitchFamily="18" charset="0"/>
-                                </a:rPr>
-                                <m:t>2</m:t>
-                              </m:r>
-                            </m:sub>
-                          </m:sSub>
-                          <m:r>
-                            <a:rPr lang="en-US" b="0" i="1" smtClean="0">
-                              <a:latin typeface="Cambria Math" panose="02040503050406030204" pitchFamily="18" charset="0"/>
-                            </a:rPr>
-                            <m:t>−</m:t>
-                          </m:r>
-                          <m:sSub>
-                            <m:sSubPr>
-                              <m:ctrlPr>
-                                <a:rPr lang="en-US" b="0" i="1" smtClean="0">
-                                  <a:latin typeface="Cambria Math" panose="02040503050406030204" pitchFamily="18" charset="0"/>
-                                </a:rPr>
-                              </m:ctrlPr>
-                            </m:sSubPr>
-                            <m:e>
-                              <m:r>
-                                <a:rPr lang="en-US" b="0" i="1" smtClean="0">
-                                  <a:latin typeface="Cambria Math" panose="02040503050406030204" pitchFamily="18" charset="0"/>
-                                </a:rPr>
-                                <m:t>𝑥</m:t>
-                              </m:r>
-                            </m:e>
-                            <m:sub>
-                              <m:r>
-                                <a:rPr lang="en-US" b="0" i="1" smtClean="0">
-                                  <a:latin typeface="Cambria Math" panose="02040503050406030204" pitchFamily="18" charset="0"/>
-                                </a:rPr>
-                                <m:t>3</m:t>
-                              </m:r>
-                            </m:sub>
-                          </m:sSub>
-                        </m:e>
-                      </m:d>
-                      <m:r>
-                        <a:rPr lang="en-US" b="0" i="1" smtClean="0">
-                          <a:latin typeface="Cambria Math" panose="02040503050406030204" pitchFamily="18" charset="0"/>
-                        </a:rPr>
-                        <m:t>+</m:t>
-                      </m:r>
-                      <m:d>
-                        <m:dPr>
-                          <m:ctrlPr>
-                            <a:rPr lang="en-US" b="0" i="1" smtClean="0">
-                              <a:latin typeface="Cambria Math" panose="02040503050406030204" pitchFamily="18" charset="0"/>
-                            </a:rPr>
-                          </m:ctrlPr>
-                        </m:dPr>
-                        <m:e>
-                          <m:sSub>
-                            <m:sSubPr>
-                              <m:ctrlPr>
-                                <a:rPr lang="en-US" b="0" i="1" smtClean="0">
-                                  <a:latin typeface="Cambria Math" panose="02040503050406030204" pitchFamily="18" charset="0"/>
-                                </a:rPr>
-                              </m:ctrlPr>
-                            </m:sSubPr>
-                            <m:e>
-                              <m:r>
-                                <a:rPr lang="en-US" b="0" i="1" smtClean="0">
-                                  <a:latin typeface="Cambria Math" panose="02040503050406030204" pitchFamily="18" charset="0"/>
-                                </a:rPr>
-                                <m:t>𝑦</m:t>
-                              </m:r>
-                            </m:e>
-                            <m:sub>
-                              <m:r>
-                                <a:rPr lang="en-US" b="0" i="1" smtClean="0">
-                                  <a:latin typeface="Cambria Math" panose="02040503050406030204" pitchFamily="18" charset="0"/>
-                                </a:rPr>
-                                <m:t>1</m:t>
-                              </m:r>
-                            </m:sub>
-                          </m:sSub>
-                          <m:r>
-                            <a:rPr lang="en-US" b="0" i="1" smtClean="0">
-                              <a:latin typeface="Cambria Math" panose="02040503050406030204" pitchFamily="18" charset="0"/>
-                            </a:rPr>
-                            <m:t>−</m:t>
-                          </m:r>
-                          <m:sSub>
-                            <m:sSubPr>
-                              <m:ctrlPr>
-                                <a:rPr lang="en-US" b="0" i="1" smtClean="0">
-                                  <a:latin typeface="Cambria Math" panose="02040503050406030204" pitchFamily="18" charset="0"/>
-                                </a:rPr>
-                              </m:ctrlPr>
-                            </m:sSubPr>
-                            <m:e>
-                              <m:r>
-                                <a:rPr lang="en-US" b="0" i="1" smtClean="0">
-                                  <a:latin typeface="Cambria Math" panose="02040503050406030204" pitchFamily="18" charset="0"/>
-                                </a:rPr>
-                                <m:t>𝑦</m:t>
-                              </m:r>
-                            </m:e>
-                            <m:sub>
-                              <m:r>
-                                <a:rPr lang="en-US" b="0" i="1" smtClean="0">
-                                  <a:latin typeface="Cambria Math" panose="02040503050406030204" pitchFamily="18" charset="0"/>
-                                </a:rPr>
-                                <m:t>4</m:t>
-                              </m:r>
-                            </m:sub>
-                          </m:sSub>
-                        </m:e>
-                      </m:d>
-                      <m:d>
-                        <m:dPr>
-                          <m:ctrlPr>
-                            <a:rPr lang="en-US" b="0" i="1" smtClean="0">
-                              <a:latin typeface="Cambria Math" panose="02040503050406030204" pitchFamily="18" charset="0"/>
-                            </a:rPr>
-                          </m:ctrlPr>
-                        </m:dPr>
-                        <m:e>
-                          <m:sSub>
-                            <m:sSubPr>
-                              <m:ctrlPr>
-                                <a:rPr lang="en-US" b="0" i="1" smtClean="0">
-                                  <a:latin typeface="Cambria Math" panose="02040503050406030204" pitchFamily="18" charset="0"/>
-                                </a:rPr>
-                              </m:ctrlPr>
-                            </m:sSubPr>
-                            <m:e>
-                              <m:r>
-                                <a:rPr lang="en-US" b="0" i="1" smtClean="0">
-                                  <a:latin typeface="Cambria Math" panose="02040503050406030204" pitchFamily="18" charset="0"/>
-                                </a:rPr>
-                                <m:t>𝑦</m:t>
-                              </m:r>
-                            </m:e>
-                            <m:sub>
-                              <m:r>
-                                <a:rPr lang="en-US" b="0" i="1" smtClean="0">
-                                  <a:latin typeface="Cambria Math" panose="02040503050406030204" pitchFamily="18" charset="0"/>
-                                </a:rPr>
-                                <m:t>2</m:t>
-                              </m:r>
-                            </m:sub>
-                          </m:sSub>
-                          <m:r>
-                            <a:rPr lang="en-US" b="0" i="1" smtClean="0">
-                              <a:latin typeface="Cambria Math" panose="02040503050406030204" pitchFamily="18" charset="0"/>
-                            </a:rPr>
-                            <m:t>−</m:t>
-                          </m:r>
-                          <m:sSub>
-                            <m:sSubPr>
-                              <m:ctrlPr>
-                                <a:rPr lang="en-US" b="0" i="1" smtClean="0">
-                                  <a:latin typeface="Cambria Math" panose="02040503050406030204" pitchFamily="18" charset="0"/>
-                                </a:rPr>
-                              </m:ctrlPr>
-                            </m:sSubPr>
-                            <m:e>
-                              <m:r>
-                                <a:rPr lang="en-US" b="0" i="1" smtClean="0">
-                                  <a:latin typeface="Cambria Math" panose="02040503050406030204" pitchFamily="18" charset="0"/>
-                                </a:rPr>
-                                <m:t>𝑦</m:t>
-                              </m:r>
-                            </m:e>
-                            <m:sub>
-                              <m:r>
-                                <a:rPr lang="en-US" b="0" i="1" smtClean="0">
-                                  <a:latin typeface="Cambria Math" panose="02040503050406030204" pitchFamily="18" charset="0"/>
-                                </a:rPr>
-                                <m:t>3</m:t>
-                              </m:r>
-                            </m:sub>
-                          </m:sSub>
-                        </m:e>
-                      </m:d>
-                      <m:r>
-                        <a:rPr lang="en-US" b="0" i="1" smtClean="0">
-                          <a:latin typeface="Cambria Math" panose="02040503050406030204" pitchFamily="18" charset="0"/>
-                        </a:rPr>
-                        <m:t>=0 &amp;</m:t>
-                      </m:r>
-                    </m:oMath>
-                    <m:oMath xmlns:m="http://schemas.openxmlformats.org/officeDocument/2006/math">
-                      <m:d>
-                        <m:dPr>
-                          <m:ctrlPr>
-                            <a:rPr lang="en-US" b="0" i="1" smtClean="0">
-                              <a:latin typeface="Cambria Math" panose="02040503050406030204" pitchFamily="18" charset="0"/>
-                            </a:rPr>
-                          </m:ctrlPr>
-                        </m:dPr>
-                        <m:e>
-                          <m:sSub>
-                            <m:sSubPr>
-                              <m:ctrlPr>
-                                <a:rPr lang="en-US" b="0" i="1" smtClean="0">
-                                  <a:latin typeface="Cambria Math" panose="02040503050406030204" pitchFamily="18" charset="0"/>
-                                </a:rPr>
-                              </m:ctrlPr>
-                            </m:sSubPr>
-                            <m:e>
-                              <m:r>
-                                <a:rPr lang="en-US" b="0" i="1" smtClean="0">
-                                  <a:latin typeface="Cambria Math" panose="02040503050406030204" pitchFamily="18" charset="0"/>
-                                </a:rPr>
-                                <m:t>𝑥</m:t>
-                              </m:r>
-                            </m:e>
-                            <m:sub>
-                              <m:r>
-                                <a:rPr lang="en-US" b="0" i="1" smtClean="0">
-                                  <a:latin typeface="Cambria Math" panose="02040503050406030204" pitchFamily="18" charset="0"/>
-                                </a:rPr>
-                                <m:t>2</m:t>
-                              </m:r>
-                            </m:sub>
-                          </m:sSub>
-                          <m:r>
-                            <a:rPr lang="en-US" b="0" i="1" smtClean="0">
-                              <a:latin typeface="Cambria Math" panose="02040503050406030204" pitchFamily="18" charset="0"/>
-                            </a:rPr>
-                            <m:t>−</m:t>
-                          </m:r>
-                          <m:sSub>
-                            <m:sSubPr>
-                              <m:ctrlPr>
-                                <a:rPr lang="en-US" b="0" i="1" smtClean="0">
-                                  <a:latin typeface="Cambria Math" panose="02040503050406030204" pitchFamily="18" charset="0"/>
-                                </a:rPr>
-                              </m:ctrlPr>
-                            </m:sSubPr>
-                            <m:e>
-                              <m:r>
-                                <a:rPr lang="en-US" b="0" i="1" smtClean="0">
-                                  <a:latin typeface="Cambria Math" panose="02040503050406030204" pitchFamily="18" charset="0"/>
-                                </a:rPr>
-                                <m:t>𝑥</m:t>
-                              </m:r>
-                            </m:e>
-                            <m:sub>
-                              <m:r>
-                                <a:rPr lang="en-US" b="0" i="1" smtClean="0">
-                                  <a:latin typeface="Cambria Math" panose="02040503050406030204" pitchFamily="18" charset="0"/>
-                                </a:rPr>
-                                <m:t>5</m:t>
-                              </m:r>
-                            </m:sub>
-                          </m:sSub>
-                        </m:e>
-                      </m:d>
-                      <m:d>
-                        <m:dPr>
-                          <m:ctrlPr>
-                            <a:rPr lang="en-US" b="0" i="1" smtClean="0">
-                              <a:latin typeface="Cambria Math" panose="02040503050406030204" pitchFamily="18" charset="0"/>
-                            </a:rPr>
-                          </m:ctrlPr>
-                        </m:dPr>
-                        <m:e>
-                          <m:sSub>
-                            <m:sSubPr>
-                              <m:ctrlPr>
-                                <a:rPr lang="en-US" b="0" i="1" smtClean="0">
-                                  <a:latin typeface="Cambria Math" panose="02040503050406030204" pitchFamily="18" charset="0"/>
-                                </a:rPr>
-                              </m:ctrlPr>
-                            </m:sSubPr>
-                            <m:e>
-                              <m:r>
-                                <a:rPr lang="en-US" b="0" i="1" smtClean="0">
-                                  <a:latin typeface="Cambria Math" panose="02040503050406030204" pitchFamily="18" charset="0"/>
-                                </a:rPr>
-                                <m:t>𝑥</m:t>
-                              </m:r>
-                            </m:e>
-                            <m:sub>
-                              <m:r>
-                                <a:rPr lang="en-US" b="0" i="1" smtClean="0">
-                                  <a:latin typeface="Cambria Math" panose="02040503050406030204" pitchFamily="18" charset="0"/>
-                                </a:rPr>
-                                <m:t>1</m:t>
-                              </m:r>
-                            </m:sub>
-                          </m:sSub>
-                          <m:r>
-                            <a:rPr lang="en-US" b="0" i="1" smtClean="0">
-                              <a:latin typeface="Cambria Math" panose="02040503050406030204" pitchFamily="18" charset="0"/>
-                            </a:rPr>
-                            <m:t>−</m:t>
-                          </m:r>
-                          <m:sSub>
-                            <m:sSubPr>
-                              <m:ctrlPr>
-                                <a:rPr lang="en-US" b="0" i="1" smtClean="0">
-                                  <a:latin typeface="Cambria Math" panose="02040503050406030204" pitchFamily="18" charset="0"/>
-                                </a:rPr>
-                              </m:ctrlPr>
-                            </m:sSubPr>
-                            <m:e>
-                              <m:r>
-                                <a:rPr lang="en-US" b="0" i="1" smtClean="0">
-                                  <a:latin typeface="Cambria Math" panose="02040503050406030204" pitchFamily="18" charset="0"/>
-                                </a:rPr>
-                                <m:t>𝑥</m:t>
-                              </m:r>
-                            </m:e>
-                            <m:sub>
-                              <m:r>
-                                <a:rPr lang="en-US" b="0" i="1" smtClean="0">
-                                  <a:latin typeface="Cambria Math" panose="02040503050406030204" pitchFamily="18" charset="0"/>
-                                </a:rPr>
-                                <m:t>3</m:t>
-                              </m:r>
-                            </m:sub>
-                          </m:sSub>
-                        </m:e>
-                      </m:d>
-                      <m:r>
-                        <a:rPr lang="en-US" b="0" i="1" smtClean="0">
-                          <a:latin typeface="Cambria Math" panose="02040503050406030204" pitchFamily="18" charset="0"/>
-                        </a:rPr>
-                        <m:t>+</m:t>
-                      </m:r>
-                      <m:d>
-                        <m:dPr>
-                          <m:ctrlPr>
-                            <a:rPr lang="en-US" b="0" i="1" smtClean="0">
-                              <a:latin typeface="Cambria Math" panose="02040503050406030204" pitchFamily="18" charset="0"/>
-                            </a:rPr>
-                          </m:ctrlPr>
-                        </m:dPr>
-                        <m:e>
-                          <m:sSub>
-                            <m:sSubPr>
-                              <m:ctrlPr>
-                                <a:rPr lang="en-US" b="0" i="1" smtClean="0">
-                                  <a:latin typeface="Cambria Math" panose="02040503050406030204" pitchFamily="18" charset="0"/>
-                                </a:rPr>
-                              </m:ctrlPr>
-                            </m:sSubPr>
-                            <m:e>
-                              <m:r>
-                                <a:rPr lang="en-US" b="0" i="1" smtClean="0">
-                                  <a:latin typeface="Cambria Math" panose="02040503050406030204" pitchFamily="18" charset="0"/>
-                                </a:rPr>
-                                <m:t>𝑦</m:t>
-                              </m:r>
-                            </m:e>
-                            <m:sub>
-                              <m:r>
-                                <a:rPr lang="en-US" b="0" i="1" smtClean="0">
-                                  <a:latin typeface="Cambria Math" panose="02040503050406030204" pitchFamily="18" charset="0"/>
-                                </a:rPr>
-                                <m:t>2</m:t>
-                              </m:r>
-                            </m:sub>
-                          </m:sSub>
-                          <m:r>
-                            <a:rPr lang="en-US" b="0" i="1" smtClean="0">
-                              <a:latin typeface="Cambria Math" panose="02040503050406030204" pitchFamily="18" charset="0"/>
-                            </a:rPr>
-                            <m:t>−</m:t>
-                          </m:r>
-                          <m:sSub>
-                            <m:sSubPr>
-                              <m:ctrlPr>
-                                <a:rPr lang="en-US" b="0" i="1" smtClean="0">
-                                  <a:latin typeface="Cambria Math" panose="02040503050406030204" pitchFamily="18" charset="0"/>
-                                </a:rPr>
-                              </m:ctrlPr>
-                            </m:sSubPr>
-                            <m:e>
-                              <m:r>
-                                <a:rPr lang="en-US" b="0" i="1" smtClean="0">
-                                  <a:latin typeface="Cambria Math" panose="02040503050406030204" pitchFamily="18" charset="0"/>
-                                </a:rPr>
-                                <m:t>𝑦</m:t>
-                              </m:r>
-                            </m:e>
-                            <m:sub>
-                              <m:r>
-                                <a:rPr lang="en-US" b="0" i="1" smtClean="0">
-                                  <a:latin typeface="Cambria Math" panose="02040503050406030204" pitchFamily="18" charset="0"/>
-                                </a:rPr>
-                                <m:t>5</m:t>
-                              </m:r>
-                            </m:sub>
-                          </m:sSub>
-                        </m:e>
-                      </m:d>
-                      <m:d>
-                        <m:dPr>
-                          <m:ctrlPr>
-                            <a:rPr lang="en-US" b="0" i="1" smtClean="0">
-                              <a:latin typeface="Cambria Math" panose="02040503050406030204" pitchFamily="18" charset="0"/>
-                            </a:rPr>
-                          </m:ctrlPr>
-                        </m:dPr>
-                        <m:e>
-                          <m:sSub>
-                            <m:sSubPr>
-                              <m:ctrlPr>
-                                <a:rPr lang="en-US" b="0" i="1" smtClean="0">
-                                  <a:latin typeface="Cambria Math" panose="02040503050406030204" pitchFamily="18" charset="0"/>
-                                </a:rPr>
-                              </m:ctrlPr>
-                            </m:sSubPr>
-                            <m:e>
-                              <m:r>
-                                <a:rPr lang="en-US" b="0" i="1" smtClean="0">
-                                  <a:latin typeface="Cambria Math" panose="02040503050406030204" pitchFamily="18" charset="0"/>
-                                </a:rPr>
-                                <m:t>𝑦</m:t>
-                              </m:r>
-                            </m:e>
-                            <m:sub>
-                              <m:r>
-                                <a:rPr lang="en-US" b="0" i="1" smtClean="0">
-                                  <a:latin typeface="Cambria Math" panose="02040503050406030204" pitchFamily="18" charset="0"/>
-                                </a:rPr>
-                                <m:t>1</m:t>
-                              </m:r>
-                            </m:sub>
-                          </m:sSub>
-                          <m:r>
-                            <a:rPr lang="en-US" b="0" i="1" smtClean="0">
-                              <a:latin typeface="Cambria Math" panose="02040503050406030204" pitchFamily="18" charset="0"/>
-                            </a:rPr>
-                            <m:t>−</m:t>
-                          </m:r>
-                          <m:sSub>
-                            <m:sSubPr>
-                              <m:ctrlPr>
-                                <a:rPr lang="en-US" b="0" i="1" smtClean="0">
-                                  <a:latin typeface="Cambria Math" panose="02040503050406030204" pitchFamily="18" charset="0"/>
-                                </a:rPr>
-                              </m:ctrlPr>
-                            </m:sSubPr>
-                            <m:e>
-                              <m:r>
-                                <a:rPr lang="en-US" b="0" i="1" smtClean="0">
-                                  <a:latin typeface="Cambria Math" panose="02040503050406030204" pitchFamily="18" charset="0"/>
-                                </a:rPr>
-                                <m:t>𝑦</m:t>
-                              </m:r>
-                            </m:e>
-                            <m:sub>
-                              <m:r>
-                                <a:rPr lang="en-US" b="0" i="1" smtClean="0">
-                                  <a:latin typeface="Cambria Math" panose="02040503050406030204" pitchFamily="18" charset="0"/>
-                                </a:rPr>
-                                <m:t>3</m:t>
-                              </m:r>
-                            </m:sub>
-                          </m:sSub>
-                        </m:e>
-                      </m:d>
-                      <m:r>
-                        <a:rPr lang="en-US" b="0" i="1" smtClean="0">
-                          <a:latin typeface="Cambria Math" panose="02040503050406030204" pitchFamily="18" charset="0"/>
-                        </a:rPr>
-                        <m:t>=0 &amp;</m:t>
-                      </m:r>
-                    </m:oMath>
-                    <m:oMath xmlns:m="http://schemas.openxmlformats.org/officeDocument/2006/math">
-                      <m:d>
-                        <m:dPr>
-                          <m:ctrlPr>
-                            <a:rPr lang="en-US" b="0" i="1" smtClean="0">
-                              <a:latin typeface="Cambria Math" panose="02040503050406030204" pitchFamily="18" charset="0"/>
-                            </a:rPr>
-                          </m:ctrlPr>
-                        </m:dPr>
-                        <m:e>
-                          <m:sSub>
-                            <m:sSubPr>
-                              <m:ctrlPr>
-                                <a:rPr lang="en-US" b="0" i="1" smtClean="0">
-                                  <a:latin typeface="Cambria Math" panose="02040503050406030204" pitchFamily="18" charset="0"/>
-                                </a:rPr>
-                              </m:ctrlPr>
-                            </m:sSubPr>
-                            <m:e>
-                              <m:r>
-                                <a:rPr lang="en-US" b="0" i="1" smtClean="0">
-                                  <a:latin typeface="Cambria Math" panose="02040503050406030204" pitchFamily="18" charset="0"/>
-                                </a:rPr>
-                                <m:t>𝑥</m:t>
-                              </m:r>
-                            </m:e>
-                            <m:sub>
-                              <m:r>
-                                <a:rPr lang="en-US" b="0" i="1" smtClean="0">
-                                  <a:latin typeface="Cambria Math" panose="02040503050406030204" pitchFamily="18" charset="0"/>
-                                </a:rPr>
-                                <m:t>3</m:t>
-                              </m:r>
-                            </m:sub>
-                          </m:sSub>
-                          <m:r>
-                            <a:rPr lang="en-US" b="0" i="1" smtClean="0">
-                              <a:latin typeface="Cambria Math" panose="02040503050406030204" pitchFamily="18" charset="0"/>
-                            </a:rPr>
-                            <m:t>−</m:t>
-                          </m:r>
-                          <m:sSub>
-                            <m:sSubPr>
-                              <m:ctrlPr>
-                                <a:rPr lang="en-US" b="0" i="1" smtClean="0">
-                                  <a:latin typeface="Cambria Math" panose="02040503050406030204" pitchFamily="18" charset="0"/>
-                                </a:rPr>
-                              </m:ctrlPr>
-                            </m:sSubPr>
-                            <m:e>
-                              <m:r>
-                                <a:rPr lang="en-US" b="0" i="1" smtClean="0">
-                                  <a:latin typeface="Cambria Math" panose="02040503050406030204" pitchFamily="18" charset="0"/>
-                                </a:rPr>
-                                <m:t>𝑥</m:t>
-                              </m:r>
-                            </m:e>
-                            <m:sub>
-                              <m:r>
-                                <a:rPr lang="en-US" b="0" i="1" smtClean="0">
-                                  <a:latin typeface="Cambria Math" panose="02040503050406030204" pitchFamily="18" charset="0"/>
-                                </a:rPr>
-                                <m:t>6</m:t>
-                              </m:r>
-                            </m:sub>
-                          </m:sSub>
-                        </m:e>
-                      </m:d>
-                      <m:d>
-                        <m:dPr>
-                          <m:ctrlPr>
-                            <a:rPr lang="en-US" b="0" i="1" smtClean="0">
-                              <a:latin typeface="Cambria Math" panose="02040503050406030204" pitchFamily="18" charset="0"/>
-                            </a:rPr>
-                          </m:ctrlPr>
-                        </m:dPr>
-                        <m:e>
-                          <m:sSub>
-                            <m:sSubPr>
-                              <m:ctrlPr>
-                                <a:rPr lang="en-US" b="0" i="1" smtClean="0">
-                                  <a:latin typeface="Cambria Math" panose="02040503050406030204" pitchFamily="18" charset="0"/>
-                                </a:rPr>
-                              </m:ctrlPr>
-                            </m:sSubPr>
-                            <m:e>
-                              <m:r>
-                                <a:rPr lang="en-US" b="0" i="1" smtClean="0">
-                                  <a:latin typeface="Cambria Math" panose="02040503050406030204" pitchFamily="18" charset="0"/>
-                                </a:rPr>
-                                <m:t>𝑥</m:t>
-                              </m:r>
-                            </m:e>
-                            <m:sub>
-                              <m:r>
-                                <a:rPr lang="en-US" b="0" i="1" smtClean="0">
-                                  <a:latin typeface="Cambria Math" panose="02040503050406030204" pitchFamily="18" charset="0"/>
-                                </a:rPr>
-                                <m:t>1</m:t>
-                              </m:r>
-                            </m:sub>
-                          </m:sSub>
-                          <m:r>
-                            <a:rPr lang="en-US" b="0" i="1" smtClean="0">
-                              <a:latin typeface="Cambria Math" panose="02040503050406030204" pitchFamily="18" charset="0"/>
-                            </a:rPr>
-                            <m:t>−</m:t>
-                          </m:r>
-                          <m:sSub>
-                            <m:sSubPr>
-                              <m:ctrlPr>
-                                <a:rPr lang="en-US" b="0" i="1" smtClean="0">
-                                  <a:latin typeface="Cambria Math" panose="02040503050406030204" pitchFamily="18" charset="0"/>
-                                </a:rPr>
-                              </m:ctrlPr>
-                            </m:sSubPr>
-                            <m:e>
-                              <m:r>
-                                <a:rPr lang="en-US" b="0" i="1" smtClean="0">
-                                  <a:latin typeface="Cambria Math" panose="02040503050406030204" pitchFamily="18" charset="0"/>
-                                </a:rPr>
-                                <m:t>𝑥</m:t>
-                              </m:r>
-                            </m:e>
-                            <m:sub>
-                              <m:r>
-                                <a:rPr lang="en-US" b="0" i="1" smtClean="0">
-                                  <a:latin typeface="Cambria Math" panose="02040503050406030204" pitchFamily="18" charset="0"/>
-                                </a:rPr>
-                                <m:t>2</m:t>
-                              </m:r>
-                            </m:sub>
-                          </m:sSub>
-                        </m:e>
-                      </m:d>
-                      <m:r>
-                        <a:rPr lang="en-US" b="0" i="1" smtClean="0">
-                          <a:latin typeface="Cambria Math" panose="02040503050406030204" pitchFamily="18" charset="0"/>
-                        </a:rPr>
-                        <m:t>+</m:t>
-                      </m:r>
-                      <m:d>
-                        <m:dPr>
-                          <m:ctrlPr>
-                            <a:rPr lang="en-US" b="0" i="1" smtClean="0">
-                              <a:latin typeface="Cambria Math" panose="02040503050406030204" pitchFamily="18" charset="0"/>
-                            </a:rPr>
-                          </m:ctrlPr>
-                        </m:dPr>
-                        <m:e>
-                          <m:sSub>
-                            <m:sSubPr>
-                              <m:ctrlPr>
-                                <a:rPr lang="en-US" b="0" i="1" smtClean="0">
-                                  <a:latin typeface="Cambria Math" panose="02040503050406030204" pitchFamily="18" charset="0"/>
-                                </a:rPr>
-                              </m:ctrlPr>
-                            </m:sSubPr>
-                            <m:e>
-                              <m:r>
-                                <a:rPr lang="en-US" b="0" i="1" smtClean="0">
-                                  <a:latin typeface="Cambria Math" panose="02040503050406030204" pitchFamily="18" charset="0"/>
-                                </a:rPr>
-                                <m:t>𝑦</m:t>
-                              </m:r>
-                            </m:e>
-                            <m:sub>
-                              <m:r>
-                                <a:rPr lang="en-US" b="0" i="1" smtClean="0">
-                                  <a:latin typeface="Cambria Math" panose="02040503050406030204" pitchFamily="18" charset="0"/>
-                                </a:rPr>
-                                <m:t>3</m:t>
-                              </m:r>
-                            </m:sub>
-                          </m:sSub>
-                          <m:r>
-                            <a:rPr lang="en-US" b="0" i="1" smtClean="0">
-                              <a:latin typeface="Cambria Math" panose="02040503050406030204" pitchFamily="18" charset="0"/>
-                            </a:rPr>
-                            <m:t>−</m:t>
-                          </m:r>
-                          <m:sSub>
-                            <m:sSubPr>
-                              <m:ctrlPr>
-                                <a:rPr lang="en-US" b="0" i="1" smtClean="0">
-                                  <a:latin typeface="Cambria Math" panose="02040503050406030204" pitchFamily="18" charset="0"/>
-                                </a:rPr>
-                              </m:ctrlPr>
-                            </m:sSubPr>
-                            <m:e>
-                              <m:r>
-                                <a:rPr lang="en-US" b="0" i="1" smtClean="0">
-                                  <a:latin typeface="Cambria Math" panose="02040503050406030204" pitchFamily="18" charset="0"/>
-                                </a:rPr>
-                                <m:t>𝑦</m:t>
-                              </m:r>
-                            </m:e>
-                            <m:sub>
-                              <m:r>
-                                <a:rPr lang="en-US" b="0" i="1" smtClean="0">
-                                  <a:latin typeface="Cambria Math" panose="02040503050406030204" pitchFamily="18" charset="0"/>
-                                </a:rPr>
-                                <m:t>6</m:t>
-                              </m:r>
-                            </m:sub>
-                          </m:sSub>
-                        </m:e>
-                      </m:d>
-                      <m:d>
-                        <m:dPr>
-                          <m:ctrlPr>
-                            <a:rPr lang="en-US" b="0" i="1" smtClean="0">
-                              <a:latin typeface="Cambria Math" panose="02040503050406030204" pitchFamily="18" charset="0"/>
-                            </a:rPr>
-                          </m:ctrlPr>
-                        </m:dPr>
-                        <m:e>
-                          <m:sSub>
-                            <m:sSubPr>
-                              <m:ctrlPr>
-                                <a:rPr lang="en-US" b="0" i="1" smtClean="0">
-                                  <a:latin typeface="Cambria Math" panose="02040503050406030204" pitchFamily="18" charset="0"/>
-                                </a:rPr>
-                              </m:ctrlPr>
-                            </m:sSubPr>
-                            <m:e>
-                              <m:r>
-                                <a:rPr lang="en-US" b="0" i="1" smtClean="0">
-                                  <a:latin typeface="Cambria Math" panose="02040503050406030204" pitchFamily="18" charset="0"/>
-                                </a:rPr>
-                                <m:t>𝑦</m:t>
-                              </m:r>
-                            </m:e>
-                            <m:sub>
-                              <m:r>
-                                <a:rPr lang="en-US" b="0" i="1" smtClean="0">
-                                  <a:latin typeface="Cambria Math" panose="02040503050406030204" pitchFamily="18" charset="0"/>
-                                </a:rPr>
-                                <m:t>1</m:t>
-                              </m:r>
-                            </m:sub>
-                          </m:sSub>
-                          <m:r>
-                            <a:rPr lang="en-US" b="0" i="1" smtClean="0">
-                              <a:latin typeface="Cambria Math" panose="02040503050406030204" pitchFamily="18" charset="0"/>
-                            </a:rPr>
-                            <m:t>−</m:t>
-                          </m:r>
-                          <m:sSub>
-                            <m:sSubPr>
-                              <m:ctrlPr>
-                                <a:rPr lang="en-US" b="0" i="1" smtClean="0">
-                                  <a:latin typeface="Cambria Math" panose="02040503050406030204" pitchFamily="18" charset="0"/>
-                                </a:rPr>
-                              </m:ctrlPr>
-                            </m:sSubPr>
-                            <m:e>
-                              <m:r>
-                                <a:rPr lang="en-US" b="0" i="1" smtClean="0">
-                                  <a:latin typeface="Cambria Math" panose="02040503050406030204" pitchFamily="18" charset="0"/>
-                                </a:rPr>
-                                <m:t>𝑦</m:t>
-                              </m:r>
-                            </m:e>
-                            <m:sub>
-                              <m:r>
-                                <a:rPr lang="en-US" b="0" i="1" smtClean="0">
-                                  <a:latin typeface="Cambria Math" panose="02040503050406030204" pitchFamily="18" charset="0"/>
-                                </a:rPr>
-                                <m:t>2</m:t>
-                              </m:r>
-                            </m:sub>
-                          </m:sSub>
-                        </m:e>
-                      </m:d>
-                      <m:r>
-                        <a:rPr lang="en-US" b="0" i="1" smtClean="0">
-                          <a:latin typeface="Cambria Math" panose="02040503050406030204" pitchFamily="18" charset="0"/>
-                        </a:rPr>
-                        <m:t>=0 &amp;</m:t>
-                      </m:r>
-                    </m:oMath>
-                    <m:oMath xmlns:m="http://schemas.openxmlformats.org/officeDocument/2006/math">
-                      <m:d>
-                        <m:dPr>
-                          <m:ctrlPr>
-                            <a:rPr lang="en-US" b="0" i="1" smtClean="0">
-                              <a:latin typeface="Cambria Math" panose="02040503050406030204" pitchFamily="18" charset="0"/>
-                            </a:rPr>
-                          </m:ctrlPr>
-                        </m:dPr>
-                        <m:e>
-                          <m:sSub>
-                            <m:sSubPr>
-                              <m:ctrlPr>
-                                <a:rPr lang="en-US" b="0" i="1" smtClean="0">
-                                  <a:latin typeface="Cambria Math" panose="02040503050406030204" pitchFamily="18" charset="0"/>
-                                </a:rPr>
-                              </m:ctrlPr>
-                            </m:sSubPr>
-                            <m:e>
-                              <m:r>
-                                <a:rPr lang="en-US" b="0" i="1" smtClean="0">
-                                  <a:latin typeface="Cambria Math" panose="02040503050406030204" pitchFamily="18" charset="0"/>
-                                </a:rPr>
-                                <m:t>𝑥</m:t>
-                              </m:r>
-                            </m:e>
-                            <m:sub>
-                              <m:r>
-                                <a:rPr lang="en-US" b="0" i="1" smtClean="0">
-                                  <a:latin typeface="Cambria Math" panose="02040503050406030204" pitchFamily="18" charset="0"/>
-                                </a:rPr>
-                                <m:t>7</m:t>
-                              </m:r>
-                            </m:sub>
-                          </m:sSub>
-                          <m:r>
-                            <a:rPr lang="en-US" b="0" i="1" smtClean="0">
-                              <a:latin typeface="Cambria Math" panose="02040503050406030204" pitchFamily="18" charset="0"/>
-                            </a:rPr>
-                            <m:t>−</m:t>
-                          </m:r>
-                          <m:sSub>
-                            <m:sSubPr>
-                              <m:ctrlPr>
-                                <a:rPr lang="en-US" b="0" i="1" smtClean="0">
-                                  <a:latin typeface="Cambria Math" panose="02040503050406030204" pitchFamily="18" charset="0"/>
-                                </a:rPr>
-                              </m:ctrlPr>
-                            </m:sSubPr>
-                            <m:e>
-                              <m:r>
-                                <a:rPr lang="en-US" b="0" i="1" smtClean="0">
-                                  <a:latin typeface="Cambria Math" panose="02040503050406030204" pitchFamily="18" charset="0"/>
-                                </a:rPr>
-                                <m:t>𝑥</m:t>
-                              </m:r>
-                            </m:e>
-                            <m:sub>
-                              <m:r>
-                                <a:rPr lang="en-US" b="0" i="1" smtClean="0">
-                                  <a:latin typeface="Cambria Math" panose="02040503050406030204" pitchFamily="18" charset="0"/>
-                                </a:rPr>
-                                <m:t>1</m:t>
-                              </m:r>
-                            </m:sub>
-                          </m:sSub>
-                        </m:e>
-                      </m:d>
-                      <m:d>
-                        <m:dPr>
-                          <m:ctrlPr>
-                            <a:rPr lang="en-US" b="0" i="1" smtClean="0">
-                              <a:latin typeface="Cambria Math" panose="02040503050406030204" pitchFamily="18" charset="0"/>
-                            </a:rPr>
-                          </m:ctrlPr>
-                        </m:dPr>
-                        <m:e>
-                          <m:sSub>
-                            <m:sSubPr>
-                              <m:ctrlPr>
-                                <a:rPr lang="en-US" b="0" i="1" smtClean="0">
-                                  <a:latin typeface="Cambria Math" panose="02040503050406030204" pitchFamily="18" charset="0"/>
-                                </a:rPr>
-                              </m:ctrlPr>
-                            </m:sSubPr>
-                            <m:e>
-                              <m:r>
-                                <a:rPr lang="en-US" b="0" i="1" smtClean="0">
-                                  <a:latin typeface="Cambria Math" panose="02040503050406030204" pitchFamily="18" charset="0"/>
-                                </a:rPr>
-                                <m:t>𝑦</m:t>
-                              </m:r>
-                            </m:e>
-                            <m:sub>
-                              <m:r>
-                                <a:rPr lang="en-US" b="0" i="1" smtClean="0">
-                                  <a:latin typeface="Cambria Math" panose="02040503050406030204" pitchFamily="18" charset="0"/>
-                                </a:rPr>
-                                <m:t>4</m:t>
-                              </m:r>
-                            </m:sub>
-                          </m:sSub>
-                          <m:r>
-                            <a:rPr lang="en-US" b="0" i="1" smtClean="0">
-                              <a:latin typeface="Cambria Math" panose="02040503050406030204" pitchFamily="18" charset="0"/>
-                            </a:rPr>
-                            <m:t>−</m:t>
-                          </m:r>
-                          <m:sSub>
-                            <m:sSubPr>
-                              <m:ctrlPr>
-                                <a:rPr lang="en-US" b="0" i="1" smtClean="0">
-                                  <a:latin typeface="Cambria Math" panose="02040503050406030204" pitchFamily="18" charset="0"/>
-                                </a:rPr>
-                              </m:ctrlPr>
-                            </m:sSubPr>
-                            <m:e>
-                              <m:r>
-                                <a:rPr lang="en-US" b="0" i="1" smtClean="0">
-                                  <a:latin typeface="Cambria Math" panose="02040503050406030204" pitchFamily="18" charset="0"/>
-                                </a:rPr>
-                                <m:t>𝑦</m:t>
-                              </m:r>
-                            </m:e>
-                            <m:sub>
-                              <m:r>
-                                <a:rPr lang="en-US" b="0" i="1" smtClean="0">
-                                  <a:latin typeface="Cambria Math" panose="02040503050406030204" pitchFamily="18" charset="0"/>
-                                </a:rPr>
-                                <m:t>1</m:t>
-                              </m:r>
-                            </m:sub>
-                          </m:sSub>
-                        </m:e>
-                      </m:d>
-                      <m:r>
-                        <a:rPr lang="en-US" b="0" i="1" smtClean="0">
-                          <a:latin typeface="Cambria Math" panose="02040503050406030204" pitchFamily="18" charset="0"/>
-                        </a:rPr>
-                        <m:t>−</m:t>
-                      </m:r>
-                      <m:d>
-                        <m:dPr>
-                          <m:ctrlPr>
-                            <a:rPr lang="en-US" b="0" i="1" smtClean="0">
-                              <a:latin typeface="Cambria Math" panose="02040503050406030204" pitchFamily="18" charset="0"/>
-                            </a:rPr>
-                          </m:ctrlPr>
-                        </m:dPr>
-                        <m:e>
-                          <m:sSub>
-                            <m:sSubPr>
-                              <m:ctrlPr>
-                                <a:rPr lang="en-US" b="0" i="1" smtClean="0">
-                                  <a:latin typeface="Cambria Math" panose="02040503050406030204" pitchFamily="18" charset="0"/>
-                                </a:rPr>
-                              </m:ctrlPr>
-                            </m:sSubPr>
-                            <m:e>
-                              <m:r>
-                                <a:rPr lang="en-US" b="0" i="1" smtClean="0">
-                                  <a:latin typeface="Cambria Math" panose="02040503050406030204" pitchFamily="18" charset="0"/>
-                                </a:rPr>
-                                <m:t>𝑥</m:t>
-                              </m:r>
-                            </m:e>
-                            <m:sub>
-                              <m:r>
-                                <a:rPr lang="en-US" b="0" i="1" smtClean="0">
-                                  <a:latin typeface="Cambria Math" panose="02040503050406030204" pitchFamily="18" charset="0"/>
-                                </a:rPr>
-                                <m:t>4</m:t>
-                              </m:r>
-                            </m:sub>
-                          </m:sSub>
-                          <m:r>
-                            <a:rPr lang="en-US" b="0" i="1" smtClean="0">
-                              <a:latin typeface="Cambria Math" panose="02040503050406030204" pitchFamily="18" charset="0"/>
-                            </a:rPr>
-                            <m:t>−</m:t>
-                          </m:r>
-                          <m:sSub>
-                            <m:sSubPr>
-                              <m:ctrlPr>
-                                <a:rPr lang="en-US" b="0" i="1" smtClean="0">
-                                  <a:latin typeface="Cambria Math" panose="02040503050406030204" pitchFamily="18" charset="0"/>
-                                </a:rPr>
-                              </m:ctrlPr>
-                            </m:sSubPr>
-                            <m:e>
-                              <m:r>
-                                <a:rPr lang="en-US" b="0" i="1" smtClean="0">
-                                  <a:latin typeface="Cambria Math" panose="02040503050406030204" pitchFamily="18" charset="0"/>
-                                </a:rPr>
-                                <m:t>𝑥</m:t>
-                              </m:r>
-                            </m:e>
-                            <m:sub>
-                              <m:r>
-                                <a:rPr lang="en-US" b="0" i="1" smtClean="0">
-                                  <a:latin typeface="Cambria Math" panose="02040503050406030204" pitchFamily="18" charset="0"/>
-                                </a:rPr>
-                                <m:t>1</m:t>
-                              </m:r>
-                            </m:sub>
-                          </m:sSub>
-                        </m:e>
-                      </m:d>
-                      <m:d>
-                        <m:dPr>
-                          <m:ctrlPr>
-                            <a:rPr lang="en-US" b="0" i="1" smtClean="0">
-                              <a:latin typeface="Cambria Math" panose="02040503050406030204" pitchFamily="18" charset="0"/>
-                            </a:rPr>
-                          </m:ctrlPr>
-                        </m:dPr>
-                        <m:e>
-                          <m:sSub>
-                            <m:sSubPr>
-                              <m:ctrlPr>
-                                <a:rPr lang="en-US" b="0" i="1" smtClean="0">
-                                  <a:latin typeface="Cambria Math" panose="02040503050406030204" pitchFamily="18" charset="0"/>
-                                </a:rPr>
-                              </m:ctrlPr>
-                            </m:sSubPr>
-                            <m:e>
-                              <m:r>
-                                <a:rPr lang="en-US" b="0" i="1" smtClean="0">
-                                  <a:latin typeface="Cambria Math" panose="02040503050406030204" pitchFamily="18" charset="0"/>
-                                </a:rPr>
-                                <m:t>𝑦</m:t>
-                              </m:r>
-                            </m:e>
-                            <m:sub>
-                              <m:r>
-                                <a:rPr lang="en-US" b="0" i="1" smtClean="0">
-                                  <a:latin typeface="Cambria Math" panose="02040503050406030204" pitchFamily="18" charset="0"/>
-                                </a:rPr>
-                                <m:t>7</m:t>
-                              </m:r>
-                            </m:sub>
-                          </m:sSub>
-                          <m:r>
-                            <a:rPr lang="en-US" b="0" i="1" smtClean="0">
-                              <a:latin typeface="Cambria Math" panose="02040503050406030204" pitchFamily="18" charset="0"/>
-                            </a:rPr>
-                            <m:t>−</m:t>
-                          </m:r>
-                          <m:sSub>
-                            <m:sSubPr>
-                              <m:ctrlPr>
-                                <a:rPr lang="en-US" b="0" i="1" smtClean="0">
-                                  <a:latin typeface="Cambria Math" panose="02040503050406030204" pitchFamily="18" charset="0"/>
-                                </a:rPr>
-                              </m:ctrlPr>
-                            </m:sSubPr>
-                            <m:e>
-                              <m:r>
-                                <a:rPr lang="en-US" b="0" i="1" smtClean="0">
-                                  <a:latin typeface="Cambria Math" panose="02040503050406030204" pitchFamily="18" charset="0"/>
-                                </a:rPr>
-                                <m:t>𝑦</m:t>
-                              </m:r>
-                            </m:e>
-                            <m:sub>
-                              <m:r>
-                                <a:rPr lang="en-US" b="0" i="1" smtClean="0">
-                                  <a:latin typeface="Cambria Math" panose="02040503050406030204" pitchFamily="18" charset="0"/>
-                                </a:rPr>
-                                <m:t>1</m:t>
-                              </m:r>
-                            </m:sub>
-                          </m:sSub>
-                        </m:e>
-                      </m:d>
-                      <m:r>
-                        <a:rPr lang="en-US" b="0" i="1" smtClean="0">
-                          <a:latin typeface="Cambria Math" panose="02040503050406030204" pitchFamily="18" charset="0"/>
-                        </a:rPr>
-                        <m:t>=0 &amp;</m:t>
-                      </m:r>
-                    </m:oMath>
-                    <m:oMath xmlns:m="http://schemas.openxmlformats.org/officeDocument/2006/math">
-                      <m:d>
-                        <m:dPr>
-                          <m:ctrlPr>
-                            <a:rPr lang="en-US" b="0" i="1" smtClean="0">
-                              <a:latin typeface="Cambria Math" panose="02040503050406030204" pitchFamily="18" charset="0"/>
-                            </a:rPr>
-                          </m:ctrlPr>
-                        </m:dPr>
-                        <m:e>
-                          <m:sSub>
-                            <m:sSubPr>
-                              <m:ctrlPr>
-                                <a:rPr lang="en-US" b="0" i="1" smtClean="0">
-                                  <a:latin typeface="Cambria Math" panose="02040503050406030204" pitchFamily="18" charset="0"/>
-                                </a:rPr>
-                              </m:ctrlPr>
-                            </m:sSubPr>
-                            <m:e>
-                              <m:r>
-                                <a:rPr lang="en-US" b="0" i="1" smtClean="0">
-                                  <a:latin typeface="Cambria Math" panose="02040503050406030204" pitchFamily="18" charset="0"/>
-                                </a:rPr>
-                                <m:t>𝑥</m:t>
-                              </m:r>
-                            </m:e>
-                            <m:sub>
-                              <m:r>
-                                <a:rPr lang="en-US" b="0" i="1" smtClean="0">
-                                  <a:latin typeface="Cambria Math" panose="02040503050406030204" pitchFamily="18" charset="0"/>
-                                </a:rPr>
-                                <m:t>7</m:t>
-                              </m:r>
-                            </m:sub>
-                          </m:sSub>
-                          <m:r>
-                            <a:rPr lang="en-US" b="0" i="1" smtClean="0">
-                              <a:latin typeface="Cambria Math" panose="02040503050406030204" pitchFamily="18" charset="0"/>
-                            </a:rPr>
-                            <m:t>−</m:t>
-                          </m:r>
-                          <m:sSub>
-                            <m:sSubPr>
-                              <m:ctrlPr>
-                                <a:rPr lang="en-US" b="0" i="1" smtClean="0">
-                                  <a:latin typeface="Cambria Math" panose="02040503050406030204" pitchFamily="18" charset="0"/>
-                                </a:rPr>
-                              </m:ctrlPr>
-                            </m:sSubPr>
-                            <m:e>
-                              <m:r>
-                                <a:rPr lang="en-US" b="0" i="1" smtClean="0">
-                                  <a:latin typeface="Cambria Math" panose="02040503050406030204" pitchFamily="18" charset="0"/>
-                                </a:rPr>
-                                <m:t>𝑥</m:t>
-                              </m:r>
-                            </m:e>
-                            <m:sub>
-                              <m:r>
-                                <a:rPr lang="en-US" b="0" i="1" smtClean="0">
-                                  <a:latin typeface="Cambria Math" panose="02040503050406030204" pitchFamily="18" charset="0"/>
-                                </a:rPr>
-                                <m:t>2</m:t>
-                              </m:r>
-                            </m:sub>
-                          </m:sSub>
-                        </m:e>
-                      </m:d>
-                      <m:d>
-                        <m:dPr>
-                          <m:ctrlPr>
-                            <a:rPr lang="en-US" b="0" i="1" smtClean="0">
-                              <a:latin typeface="Cambria Math" panose="02040503050406030204" pitchFamily="18" charset="0"/>
-                            </a:rPr>
-                          </m:ctrlPr>
-                        </m:dPr>
-                        <m:e>
-                          <m:sSub>
-                            <m:sSubPr>
-                              <m:ctrlPr>
-                                <a:rPr lang="en-US" b="0" i="1" smtClean="0">
-                                  <a:latin typeface="Cambria Math" panose="02040503050406030204" pitchFamily="18" charset="0"/>
-                                </a:rPr>
-                              </m:ctrlPr>
-                            </m:sSubPr>
-                            <m:e>
-                              <m:r>
-                                <a:rPr lang="en-US" b="0" i="1" smtClean="0">
-                                  <a:latin typeface="Cambria Math" panose="02040503050406030204" pitchFamily="18" charset="0"/>
-                                </a:rPr>
-                                <m:t>𝑦</m:t>
-                              </m:r>
-                            </m:e>
-                            <m:sub>
-                              <m:r>
-                                <a:rPr lang="en-US" b="0" i="1" smtClean="0">
-                                  <a:latin typeface="Cambria Math" panose="02040503050406030204" pitchFamily="18" charset="0"/>
-                                </a:rPr>
-                                <m:t>5</m:t>
-                              </m:r>
-                            </m:sub>
-                          </m:sSub>
-                          <m:r>
-                            <a:rPr lang="en-US" b="0" i="1" smtClean="0">
-                              <a:latin typeface="Cambria Math" panose="02040503050406030204" pitchFamily="18" charset="0"/>
-                            </a:rPr>
-                            <m:t>−</m:t>
-                          </m:r>
-                          <m:sSub>
-                            <m:sSubPr>
-                              <m:ctrlPr>
-                                <a:rPr lang="en-US" b="0" i="1" smtClean="0">
-                                  <a:latin typeface="Cambria Math" panose="02040503050406030204" pitchFamily="18" charset="0"/>
-                                </a:rPr>
-                              </m:ctrlPr>
-                            </m:sSubPr>
-                            <m:e>
-                              <m:r>
-                                <a:rPr lang="en-US" b="0" i="1" smtClean="0">
-                                  <a:latin typeface="Cambria Math" panose="02040503050406030204" pitchFamily="18" charset="0"/>
-                                </a:rPr>
-                                <m:t>𝑦</m:t>
-                              </m:r>
-                            </m:e>
-                            <m:sub>
-                              <m:r>
-                                <a:rPr lang="en-US" b="0" i="1" smtClean="0">
-                                  <a:latin typeface="Cambria Math" panose="02040503050406030204" pitchFamily="18" charset="0"/>
-                                </a:rPr>
-                                <m:t>2</m:t>
-                              </m:r>
-                            </m:sub>
-                          </m:sSub>
-                        </m:e>
-                      </m:d>
-                      <m:r>
-                        <a:rPr lang="en-US" b="0" i="1" smtClean="0">
-                          <a:latin typeface="Cambria Math" panose="02040503050406030204" pitchFamily="18" charset="0"/>
-                        </a:rPr>
-                        <m:t>−</m:t>
-                      </m:r>
-                      <m:d>
-                        <m:dPr>
-                          <m:ctrlPr>
-                            <a:rPr lang="en-US" b="0" i="1" smtClean="0">
-                              <a:latin typeface="Cambria Math" panose="02040503050406030204" pitchFamily="18" charset="0"/>
-                            </a:rPr>
-                          </m:ctrlPr>
-                        </m:dPr>
-                        <m:e>
-                          <m:sSub>
-                            <m:sSubPr>
-                              <m:ctrlPr>
-                                <a:rPr lang="en-US" b="0" i="1" smtClean="0">
-                                  <a:latin typeface="Cambria Math" panose="02040503050406030204" pitchFamily="18" charset="0"/>
-                                </a:rPr>
-                              </m:ctrlPr>
-                            </m:sSubPr>
-                            <m:e>
-                              <m:r>
-                                <a:rPr lang="en-US" b="0" i="1" smtClean="0">
-                                  <a:latin typeface="Cambria Math" panose="02040503050406030204" pitchFamily="18" charset="0"/>
-                                </a:rPr>
-                                <m:t>𝑥</m:t>
-                              </m:r>
-                            </m:e>
-                            <m:sub>
-                              <m:r>
-                                <a:rPr lang="en-US" b="0" i="1" smtClean="0">
-                                  <a:latin typeface="Cambria Math" panose="02040503050406030204" pitchFamily="18" charset="0"/>
-                                </a:rPr>
-                                <m:t>5</m:t>
-                              </m:r>
-                            </m:sub>
-                          </m:sSub>
-                          <m:r>
-                            <a:rPr lang="en-US" b="0" i="1" smtClean="0">
-                              <a:latin typeface="Cambria Math" panose="02040503050406030204" pitchFamily="18" charset="0"/>
-                            </a:rPr>
-                            <m:t>−</m:t>
-                          </m:r>
-                          <m:sSub>
-                            <m:sSubPr>
-                              <m:ctrlPr>
-                                <a:rPr lang="en-US" b="0" i="1" smtClean="0">
-                                  <a:latin typeface="Cambria Math" panose="02040503050406030204" pitchFamily="18" charset="0"/>
-                                </a:rPr>
-                              </m:ctrlPr>
-                            </m:sSubPr>
-                            <m:e>
-                              <m:r>
-                                <a:rPr lang="en-US" b="0" i="1" smtClean="0">
-                                  <a:latin typeface="Cambria Math" panose="02040503050406030204" pitchFamily="18" charset="0"/>
-                                </a:rPr>
-                                <m:t>𝑥</m:t>
-                              </m:r>
-                            </m:e>
-                            <m:sub>
-                              <m:r>
-                                <a:rPr lang="en-US" b="0" i="1" smtClean="0">
-                                  <a:latin typeface="Cambria Math" panose="02040503050406030204" pitchFamily="18" charset="0"/>
-                                </a:rPr>
-                                <m:t>2</m:t>
-                              </m:r>
-                            </m:sub>
-                          </m:sSub>
-                        </m:e>
-                      </m:d>
-                      <m:d>
-                        <m:dPr>
-                          <m:ctrlPr>
-                            <a:rPr lang="en-US" b="0" i="1" smtClean="0">
-                              <a:latin typeface="Cambria Math" panose="02040503050406030204" pitchFamily="18" charset="0"/>
-                            </a:rPr>
-                          </m:ctrlPr>
-                        </m:dPr>
-                        <m:e>
-                          <m:sSub>
-                            <m:sSubPr>
-                              <m:ctrlPr>
-                                <a:rPr lang="en-US" b="0" i="1" smtClean="0">
-                                  <a:latin typeface="Cambria Math" panose="02040503050406030204" pitchFamily="18" charset="0"/>
-                                </a:rPr>
-                              </m:ctrlPr>
-                            </m:sSubPr>
-                            <m:e>
-                              <m:r>
-                                <a:rPr lang="en-US" b="0" i="1" smtClean="0">
-                                  <a:latin typeface="Cambria Math" panose="02040503050406030204" pitchFamily="18" charset="0"/>
-                                </a:rPr>
-                                <m:t>𝑦</m:t>
-                              </m:r>
-                            </m:e>
-                            <m:sub>
-                              <m:r>
-                                <a:rPr lang="en-US" b="0" i="1" smtClean="0">
-                                  <a:latin typeface="Cambria Math" panose="02040503050406030204" pitchFamily="18" charset="0"/>
-                                </a:rPr>
-                                <m:t>7</m:t>
-                              </m:r>
-                            </m:sub>
-                          </m:sSub>
-                          <m:r>
-                            <a:rPr lang="en-US" b="0" i="1" smtClean="0">
-                              <a:latin typeface="Cambria Math" panose="02040503050406030204" pitchFamily="18" charset="0"/>
-                            </a:rPr>
-                            <m:t>−</m:t>
-                          </m:r>
-                          <m:sSub>
-                            <m:sSubPr>
-                              <m:ctrlPr>
-                                <a:rPr lang="en-US" b="0" i="1" smtClean="0">
-                                  <a:latin typeface="Cambria Math" panose="02040503050406030204" pitchFamily="18" charset="0"/>
-                                </a:rPr>
-                              </m:ctrlPr>
-                            </m:sSubPr>
-                            <m:e>
-                              <m:r>
-                                <a:rPr lang="en-US" b="0" i="1" smtClean="0">
-                                  <a:latin typeface="Cambria Math" panose="02040503050406030204" pitchFamily="18" charset="0"/>
-                                </a:rPr>
-                                <m:t>𝑦</m:t>
-                              </m:r>
-                            </m:e>
-                            <m:sub>
-                              <m:r>
-                                <a:rPr lang="en-US" b="0" i="1" smtClean="0">
-                                  <a:latin typeface="Cambria Math" panose="02040503050406030204" pitchFamily="18" charset="0"/>
-                                </a:rPr>
-                                <m:t>2</m:t>
-                              </m:r>
-                            </m:sub>
-                          </m:sSub>
-                        </m:e>
-                      </m:d>
-                      <m:r>
-                        <a:rPr lang="en-US" b="0" i="1" smtClean="0">
-                          <a:latin typeface="Cambria Math" panose="02040503050406030204" pitchFamily="18" charset="0"/>
-                        </a:rPr>
-                        <m:t>=0 &amp;</m:t>
-                      </m:r>
-                    </m:oMath>
-                    <m:oMath xmlns:m="http://schemas.openxmlformats.org/officeDocument/2006/math">
-                      <m:d>
-                        <m:dPr>
-                          <m:ctrlPr>
-                            <a:rPr lang="en-US" b="0" i="1" smtClean="0">
-                              <a:latin typeface="Cambria Math" panose="02040503050406030204" pitchFamily="18" charset="0"/>
-                            </a:rPr>
-                          </m:ctrlPr>
-                        </m:dPr>
-                        <m:e>
-                          <m:sSub>
-                            <m:sSubPr>
-                              <m:ctrlPr>
-                                <a:rPr lang="en-US" b="0" i="1" smtClean="0">
-                                  <a:latin typeface="Cambria Math" panose="02040503050406030204" pitchFamily="18" charset="0"/>
-                                </a:rPr>
-                              </m:ctrlPr>
-                            </m:sSubPr>
-                            <m:e>
-                              <m:r>
-                                <a:rPr lang="en-US" b="0" i="1" smtClean="0">
-                                  <a:latin typeface="Cambria Math" panose="02040503050406030204" pitchFamily="18" charset="0"/>
-                                </a:rPr>
-                                <m:t>𝑥</m:t>
-                              </m:r>
-                            </m:e>
-                            <m:sub>
-                              <m:r>
-                                <a:rPr lang="en-US" b="0" i="1" smtClean="0">
-                                  <a:latin typeface="Cambria Math" panose="02040503050406030204" pitchFamily="18" charset="0"/>
-                                </a:rPr>
-                                <m:t>7</m:t>
-                              </m:r>
-                            </m:sub>
-                          </m:sSub>
-                          <m:r>
-                            <a:rPr lang="en-US" b="0" i="1" smtClean="0">
-                              <a:latin typeface="Cambria Math" panose="02040503050406030204" pitchFamily="18" charset="0"/>
-                            </a:rPr>
-                            <m:t>−</m:t>
-                          </m:r>
-                          <m:sSub>
-                            <m:sSubPr>
-                              <m:ctrlPr>
-                                <a:rPr lang="en-US" b="0" i="1" smtClean="0">
-                                  <a:latin typeface="Cambria Math" panose="02040503050406030204" pitchFamily="18" charset="0"/>
-                                </a:rPr>
-                              </m:ctrlPr>
-                            </m:sSubPr>
-                            <m:e>
-                              <m:r>
-                                <a:rPr lang="en-US" b="0" i="1" smtClean="0">
-                                  <a:latin typeface="Cambria Math" panose="02040503050406030204" pitchFamily="18" charset="0"/>
-                                </a:rPr>
-                                <m:t>𝑥</m:t>
-                              </m:r>
-                            </m:e>
-                            <m:sub>
-                              <m:r>
-                                <a:rPr lang="en-US" b="0" i="1" smtClean="0">
-                                  <a:latin typeface="Cambria Math" panose="02040503050406030204" pitchFamily="18" charset="0"/>
-                                </a:rPr>
-                                <m:t>3</m:t>
-                              </m:r>
-                            </m:sub>
-                          </m:sSub>
-                        </m:e>
-                      </m:d>
-                      <m:d>
-                        <m:dPr>
-                          <m:ctrlPr>
-                            <a:rPr lang="en-US" b="0" i="1" smtClean="0">
-                              <a:latin typeface="Cambria Math" panose="02040503050406030204" pitchFamily="18" charset="0"/>
-                            </a:rPr>
-                          </m:ctrlPr>
-                        </m:dPr>
-                        <m:e>
-                          <m:sSub>
-                            <m:sSubPr>
-                              <m:ctrlPr>
-                                <a:rPr lang="en-US" b="0" i="1" smtClean="0">
-                                  <a:latin typeface="Cambria Math" panose="02040503050406030204" pitchFamily="18" charset="0"/>
-                                </a:rPr>
-                              </m:ctrlPr>
-                            </m:sSubPr>
-                            <m:e>
-                              <m:r>
-                                <a:rPr lang="en-US" b="0" i="1" smtClean="0">
-                                  <a:latin typeface="Cambria Math" panose="02040503050406030204" pitchFamily="18" charset="0"/>
-                                </a:rPr>
-                                <m:t>𝑦</m:t>
-                              </m:r>
-                            </m:e>
-                            <m:sub>
-                              <m:r>
-                                <a:rPr lang="en-US" b="0" i="1" smtClean="0">
-                                  <a:latin typeface="Cambria Math" panose="02040503050406030204" pitchFamily="18" charset="0"/>
-                                </a:rPr>
-                                <m:t>6</m:t>
-                              </m:r>
-                            </m:sub>
-                          </m:sSub>
-                          <m:r>
-                            <a:rPr lang="en-US" b="0" i="1" smtClean="0">
-                              <a:latin typeface="Cambria Math" panose="02040503050406030204" pitchFamily="18" charset="0"/>
-                            </a:rPr>
-                            <m:t>−</m:t>
-                          </m:r>
-                          <m:sSub>
-                            <m:sSubPr>
-                              <m:ctrlPr>
-                                <a:rPr lang="en-US" b="0" i="1" smtClean="0">
-                                  <a:latin typeface="Cambria Math" panose="02040503050406030204" pitchFamily="18" charset="0"/>
-                                </a:rPr>
-                              </m:ctrlPr>
-                            </m:sSubPr>
-                            <m:e>
-                              <m:r>
-                                <a:rPr lang="en-US" b="0" i="1" smtClean="0">
-                                  <a:latin typeface="Cambria Math" panose="02040503050406030204" pitchFamily="18" charset="0"/>
-                                </a:rPr>
-                                <m:t>𝑦</m:t>
-                              </m:r>
-                            </m:e>
-                            <m:sub>
-                              <m:r>
-                                <a:rPr lang="en-US" b="0" i="1" smtClean="0">
-                                  <a:latin typeface="Cambria Math" panose="02040503050406030204" pitchFamily="18" charset="0"/>
-                                </a:rPr>
-                                <m:t>3</m:t>
-                              </m:r>
-                            </m:sub>
-                          </m:sSub>
-                        </m:e>
-                      </m:d>
-                      <m:r>
-                        <a:rPr lang="en-US" b="0" i="1" smtClean="0">
-                          <a:latin typeface="Cambria Math" panose="02040503050406030204" pitchFamily="18" charset="0"/>
-                        </a:rPr>
-                        <m:t>−</m:t>
-                      </m:r>
-                      <m:d>
-                        <m:dPr>
-                          <m:ctrlPr>
-                            <a:rPr lang="en-US" b="0" i="1" smtClean="0">
-                              <a:latin typeface="Cambria Math" panose="02040503050406030204" pitchFamily="18" charset="0"/>
-                            </a:rPr>
-                          </m:ctrlPr>
-                        </m:dPr>
-                        <m:e>
-                          <m:sSub>
-                            <m:sSubPr>
-                              <m:ctrlPr>
-                                <a:rPr lang="en-US" b="0" i="1" smtClean="0">
-                                  <a:latin typeface="Cambria Math" panose="02040503050406030204" pitchFamily="18" charset="0"/>
-                                </a:rPr>
-                              </m:ctrlPr>
-                            </m:sSubPr>
-                            <m:e>
-                              <m:r>
-                                <a:rPr lang="en-US" b="0" i="1" smtClean="0">
-                                  <a:latin typeface="Cambria Math" panose="02040503050406030204" pitchFamily="18" charset="0"/>
-                                </a:rPr>
-                                <m:t>𝑥</m:t>
-                              </m:r>
-                            </m:e>
-                            <m:sub>
-                              <m:r>
-                                <a:rPr lang="en-US" b="0" i="1" smtClean="0">
-                                  <a:latin typeface="Cambria Math" panose="02040503050406030204" pitchFamily="18" charset="0"/>
-                                </a:rPr>
-                                <m:t>6</m:t>
-                              </m:r>
-                            </m:sub>
-                          </m:sSub>
-                          <m:r>
-                            <a:rPr lang="en-US" b="0" i="1" smtClean="0">
-                              <a:latin typeface="Cambria Math" panose="02040503050406030204" pitchFamily="18" charset="0"/>
-                            </a:rPr>
-                            <m:t>−</m:t>
-                          </m:r>
-                          <m:sSub>
-                            <m:sSubPr>
-                              <m:ctrlPr>
-                                <a:rPr lang="en-US" b="0" i="1" smtClean="0">
-                                  <a:latin typeface="Cambria Math" panose="02040503050406030204" pitchFamily="18" charset="0"/>
-                                </a:rPr>
-                              </m:ctrlPr>
-                            </m:sSubPr>
-                            <m:e>
-                              <m:r>
-                                <a:rPr lang="en-US" b="0" i="1" smtClean="0">
-                                  <a:latin typeface="Cambria Math" panose="02040503050406030204" pitchFamily="18" charset="0"/>
-                                </a:rPr>
-                                <m:t>𝑥</m:t>
-                              </m:r>
-                            </m:e>
-                            <m:sub>
-                              <m:r>
-                                <a:rPr lang="en-US" b="0" i="1" smtClean="0">
-                                  <a:latin typeface="Cambria Math" panose="02040503050406030204" pitchFamily="18" charset="0"/>
-                                </a:rPr>
-                                <m:t>3</m:t>
-                              </m:r>
-                            </m:sub>
-                          </m:sSub>
-                        </m:e>
-                      </m:d>
-                      <m:d>
-                        <m:dPr>
-                          <m:ctrlPr>
-                            <a:rPr lang="en-US" b="0" i="1" smtClean="0">
-                              <a:latin typeface="Cambria Math" panose="02040503050406030204" pitchFamily="18" charset="0"/>
-                            </a:rPr>
-                          </m:ctrlPr>
-                        </m:dPr>
-                        <m:e>
-                          <m:sSub>
-                            <m:sSubPr>
-                              <m:ctrlPr>
-                                <a:rPr lang="en-US" b="0" i="1" smtClean="0">
-                                  <a:latin typeface="Cambria Math" panose="02040503050406030204" pitchFamily="18" charset="0"/>
-                                </a:rPr>
-                              </m:ctrlPr>
-                            </m:sSubPr>
-                            <m:e>
-                              <m:r>
-                                <a:rPr lang="en-US" b="0" i="1" smtClean="0">
-                                  <a:latin typeface="Cambria Math" panose="02040503050406030204" pitchFamily="18" charset="0"/>
-                                </a:rPr>
-                                <m:t>𝑦</m:t>
-                              </m:r>
-                            </m:e>
-                            <m:sub>
-                              <m:r>
-                                <a:rPr lang="en-US" b="0" i="1" smtClean="0">
-                                  <a:latin typeface="Cambria Math" panose="02040503050406030204" pitchFamily="18" charset="0"/>
-                                </a:rPr>
-                                <m:t>7</m:t>
-                              </m:r>
-                            </m:sub>
-                          </m:sSub>
-                          <m:r>
-                            <a:rPr lang="en-US" b="0" i="1" smtClean="0">
-                              <a:latin typeface="Cambria Math" panose="02040503050406030204" pitchFamily="18" charset="0"/>
-                            </a:rPr>
-                            <m:t>−</m:t>
-                          </m:r>
-                          <m:sSub>
-                            <m:sSubPr>
-                              <m:ctrlPr>
-                                <a:rPr lang="en-US" b="0" i="1" smtClean="0">
-                                  <a:latin typeface="Cambria Math" panose="02040503050406030204" pitchFamily="18" charset="0"/>
-                                </a:rPr>
-                              </m:ctrlPr>
-                            </m:sSubPr>
-                            <m:e>
-                              <m:r>
-                                <a:rPr lang="en-US" b="0" i="1" smtClean="0">
-                                  <a:latin typeface="Cambria Math" panose="02040503050406030204" pitchFamily="18" charset="0"/>
-                                </a:rPr>
-                                <m:t>𝑦</m:t>
-                              </m:r>
-                            </m:e>
-                            <m:sub>
-                              <m:r>
-                                <a:rPr lang="en-US" b="0" i="1" smtClean="0">
-                                  <a:latin typeface="Cambria Math" panose="02040503050406030204" pitchFamily="18" charset="0"/>
-                                </a:rPr>
-                                <m:t>3</m:t>
-                              </m:r>
-                            </m:sub>
-                          </m:sSub>
-                        </m:e>
-                      </m:d>
-                      <m:r>
-                        <a:rPr lang="en-US" b="0" i="1" smtClean="0">
-                          <a:latin typeface="Cambria Math" panose="02040503050406030204" pitchFamily="18" charset="0"/>
-                        </a:rPr>
-                        <m:t>=0 &amp;</m:t>
-                      </m:r>
-                    </m:oMath>
-                    <m:oMath xmlns:m="http://schemas.openxmlformats.org/officeDocument/2006/math">
-                      <m:d>
-                        <m:dPr>
-                          <m:ctrlPr>
-                            <a:rPr lang="en-US" b="0" i="1" smtClean="0">
-                              <a:latin typeface="Cambria Math" panose="02040503050406030204" pitchFamily="18" charset="0"/>
-                              <a:ea typeface="Cambria Math" panose="02040503050406030204" pitchFamily="18" charset="0"/>
-                            </a:rPr>
-                          </m:ctrlPr>
-                        </m:dPr>
-                        <m:e>
-                          <m:r>
-                            <a:rPr lang="en-US" b="0" i="1" smtClean="0">
-                              <a:latin typeface="Cambria Math" panose="02040503050406030204" pitchFamily="18" charset="0"/>
-                              <a:ea typeface="Cambria Math" panose="02040503050406030204" pitchFamily="18" charset="0"/>
-                            </a:rPr>
-                            <m:t>¬</m:t>
-                          </m:r>
-                          <m:d>
-                            <m:dPr>
-                              <m:ctrlPr>
-                                <a:rPr lang="en-US" b="0" i="1" smtClean="0">
-                                  <a:latin typeface="Cambria Math" panose="02040503050406030204" pitchFamily="18" charset="0"/>
-                                  <a:ea typeface="Cambria Math" panose="02040503050406030204" pitchFamily="18" charset="0"/>
-                                </a:rPr>
-                              </m:ctrlPr>
-                            </m:dPr>
-                            <m:e>
-                              <m:sSub>
-                                <m:sSubPr>
-                                  <m:ctrlPr>
-                                    <a:rPr lang="en-US" b="0" i="1" smtClean="0">
-                                      <a:latin typeface="Cambria Math" panose="02040503050406030204" pitchFamily="18" charset="0"/>
-                                      <a:ea typeface="Cambria Math" panose="02040503050406030204" pitchFamily="18" charset="0"/>
-                                    </a:rPr>
-                                  </m:ctrlPr>
-                                </m:sSubPr>
-                                <m:e>
-                                  <m:r>
-                                    <a:rPr lang="en-US" b="0" i="1" smtClean="0">
-                                      <a:latin typeface="Cambria Math" panose="02040503050406030204" pitchFamily="18" charset="0"/>
-                                      <a:ea typeface="Cambria Math" panose="02040503050406030204" pitchFamily="18" charset="0"/>
-                                    </a:rPr>
-                                    <m:t>𝑥</m:t>
-                                  </m:r>
-                                </m:e>
-                                <m:sub>
-                                  <m:r>
-                                    <a:rPr lang="en-US" b="0" i="1" smtClean="0">
-                                      <a:latin typeface="Cambria Math" panose="02040503050406030204" pitchFamily="18" charset="0"/>
-                                      <a:ea typeface="Cambria Math" panose="02040503050406030204" pitchFamily="18" charset="0"/>
-                                    </a:rPr>
-                                    <m:t>1</m:t>
-                                  </m:r>
-                                </m:sub>
-                              </m:sSub>
-                              <m:r>
-                                <a:rPr lang="en-US" b="0" i="1" smtClean="0">
-                                  <a:latin typeface="Cambria Math" panose="02040503050406030204" pitchFamily="18" charset="0"/>
-                                  <a:ea typeface="Cambria Math" panose="02040503050406030204" pitchFamily="18" charset="0"/>
-                                </a:rPr>
-                                <m:t>=</m:t>
-                              </m:r>
-                              <m:sSub>
-                                <m:sSubPr>
-                                  <m:ctrlPr>
-                                    <a:rPr lang="en-US" b="0" i="1" smtClean="0">
-                                      <a:latin typeface="Cambria Math" panose="02040503050406030204" pitchFamily="18" charset="0"/>
-                                      <a:ea typeface="Cambria Math" panose="02040503050406030204" pitchFamily="18" charset="0"/>
-                                    </a:rPr>
-                                  </m:ctrlPr>
-                                </m:sSubPr>
-                                <m:e>
-                                  <m:r>
-                                    <a:rPr lang="en-US" b="0" i="1" smtClean="0">
-                                      <a:latin typeface="Cambria Math" panose="02040503050406030204" pitchFamily="18" charset="0"/>
-                                      <a:ea typeface="Cambria Math" panose="02040503050406030204" pitchFamily="18" charset="0"/>
-                                    </a:rPr>
-                                    <m:t>𝑥</m:t>
-                                  </m:r>
-                                </m:e>
-                                <m:sub>
-                                  <m:r>
-                                    <a:rPr lang="en-US" b="0" i="1" smtClean="0">
-                                      <a:latin typeface="Cambria Math" panose="02040503050406030204" pitchFamily="18" charset="0"/>
-                                      <a:ea typeface="Cambria Math" panose="02040503050406030204" pitchFamily="18" charset="0"/>
-                                    </a:rPr>
-                                    <m:t>2</m:t>
-                                  </m:r>
-                                </m:sub>
-                              </m:sSub>
-                            </m:e>
-                          </m:d>
-                          <m:r>
-                            <a:rPr lang="en-US" b="0" i="1" smtClean="0">
-                              <a:latin typeface="Cambria Math" panose="02040503050406030204" pitchFamily="18" charset="0"/>
-                            </a:rPr>
-                            <m:t>∨</m:t>
-                          </m:r>
-                          <m:r>
-                            <a:rPr lang="en-US" b="0" i="1" smtClean="0">
-                              <a:latin typeface="Cambria Math" panose="02040503050406030204" pitchFamily="18" charset="0"/>
-                              <a:ea typeface="Cambria Math" panose="02040503050406030204" pitchFamily="18" charset="0"/>
-                            </a:rPr>
-                            <m:t>¬</m:t>
-                          </m:r>
-                          <m:d>
-                            <m:dPr>
-                              <m:ctrlPr>
-                                <a:rPr lang="en-US" b="0" i="1" smtClean="0">
-                                  <a:latin typeface="Cambria Math" panose="02040503050406030204" pitchFamily="18" charset="0"/>
-                                  <a:ea typeface="Cambria Math" panose="02040503050406030204" pitchFamily="18" charset="0"/>
-                                </a:rPr>
-                              </m:ctrlPr>
-                            </m:dPr>
-                            <m:e>
-                              <m:sSub>
-                                <m:sSubPr>
-                                  <m:ctrlPr>
-                                    <a:rPr lang="en-US" b="0" i="1" smtClean="0">
-                                      <a:latin typeface="Cambria Math" panose="02040503050406030204" pitchFamily="18" charset="0"/>
-                                      <a:ea typeface="Cambria Math" panose="02040503050406030204" pitchFamily="18" charset="0"/>
-                                    </a:rPr>
-                                  </m:ctrlPr>
-                                </m:sSubPr>
-                                <m:e>
-                                  <m:r>
-                                    <a:rPr lang="en-US" b="0" i="1" smtClean="0">
-                                      <a:latin typeface="Cambria Math" panose="02040503050406030204" pitchFamily="18" charset="0"/>
-                                      <a:ea typeface="Cambria Math" panose="02040503050406030204" pitchFamily="18" charset="0"/>
-                                    </a:rPr>
-                                    <m:t>𝑦</m:t>
-                                  </m:r>
-                                </m:e>
-                                <m:sub>
-                                  <m:r>
-                                    <a:rPr lang="en-US" b="0" i="1" smtClean="0">
-                                      <a:latin typeface="Cambria Math" panose="02040503050406030204" pitchFamily="18" charset="0"/>
-                                      <a:ea typeface="Cambria Math" panose="02040503050406030204" pitchFamily="18" charset="0"/>
-                                    </a:rPr>
-                                    <m:t>1</m:t>
-                                  </m:r>
-                                </m:sub>
-                              </m:sSub>
-                              <m:r>
-                                <a:rPr lang="en-US" b="0" i="1" smtClean="0">
-                                  <a:latin typeface="Cambria Math" panose="02040503050406030204" pitchFamily="18" charset="0"/>
-                                  <a:ea typeface="Cambria Math" panose="02040503050406030204" pitchFamily="18" charset="0"/>
-                                </a:rPr>
-                                <m:t>=</m:t>
-                              </m:r>
-                              <m:sSub>
-                                <m:sSubPr>
-                                  <m:ctrlPr>
-                                    <a:rPr lang="en-US" b="0" i="1" smtClean="0">
-                                      <a:latin typeface="Cambria Math" panose="02040503050406030204" pitchFamily="18" charset="0"/>
-                                      <a:ea typeface="Cambria Math" panose="02040503050406030204" pitchFamily="18" charset="0"/>
-                                    </a:rPr>
-                                  </m:ctrlPr>
-                                </m:sSubPr>
-                                <m:e>
-                                  <m:r>
-                                    <a:rPr lang="en-US" b="0" i="1" smtClean="0">
-                                      <a:latin typeface="Cambria Math" panose="02040503050406030204" pitchFamily="18" charset="0"/>
-                                      <a:ea typeface="Cambria Math" panose="02040503050406030204" pitchFamily="18" charset="0"/>
-                                    </a:rPr>
-                                    <m:t>𝑦</m:t>
-                                  </m:r>
-                                </m:e>
-                                <m:sub>
-                                  <m:r>
-                                    <a:rPr lang="en-US" b="0" i="1" smtClean="0">
-                                      <a:latin typeface="Cambria Math" panose="02040503050406030204" pitchFamily="18" charset="0"/>
-                                      <a:ea typeface="Cambria Math" panose="02040503050406030204" pitchFamily="18" charset="0"/>
-                                    </a:rPr>
-                                    <m:t>2</m:t>
-                                  </m:r>
-                                </m:sub>
-                              </m:sSub>
-                            </m:e>
-                          </m:d>
-                        </m:e>
-                      </m:d>
-                      <m:r>
-                        <a:rPr lang="en-US" b="0" i="1" smtClean="0">
-                          <a:latin typeface="Cambria Math" panose="02040503050406030204" pitchFamily="18" charset="0"/>
-                          <a:ea typeface="Cambria Math" panose="02040503050406030204" pitchFamily="18" charset="0"/>
-                        </a:rPr>
-                        <m:t>&amp; </m:t>
-                      </m:r>
-                    </m:oMath>
-                    <m:oMath xmlns:m="http://schemas.openxmlformats.org/officeDocument/2006/math">
-                      <m:d>
-                        <m:dPr>
-                          <m:ctrlPr>
-                            <a:rPr lang="en-US" b="0" i="1" smtClean="0">
-                              <a:latin typeface="Cambria Math" panose="02040503050406030204" pitchFamily="18" charset="0"/>
-                              <a:ea typeface="Cambria Math" panose="02040503050406030204" pitchFamily="18" charset="0"/>
-                            </a:rPr>
-                          </m:ctrlPr>
-                        </m:dPr>
-                        <m:e>
-                          <m:r>
-                            <a:rPr lang="en-US" b="0" i="1" smtClean="0">
-                              <a:latin typeface="Cambria Math" panose="02040503050406030204" pitchFamily="18" charset="0"/>
-                              <a:ea typeface="Cambria Math" panose="02040503050406030204" pitchFamily="18" charset="0"/>
-                            </a:rPr>
-                            <m:t>¬</m:t>
-                          </m:r>
-                          <m:d>
-                            <m:dPr>
-                              <m:ctrlPr>
-                                <a:rPr lang="en-US" b="0" i="1" smtClean="0">
-                                  <a:latin typeface="Cambria Math" panose="02040503050406030204" pitchFamily="18" charset="0"/>
-                                  <a:ea typeface="Cambria Math" panose="02040503050406030204" pitchFamily="18" charset="0"/>
-                                </a:rPr>
-                              </m:ctrlPr>
-                            </m:dPr>
-                            <m:e>
-                              <m:sSub>
-                                <m:sSubPr>
-                                  <m:ctrlPr>
-                                    <a:rPr lang="en-US" b="0" i="1" smtClean="0">
-                                      <a:latin typeface="Cambria Math" panose="02040503050406030204" pitchFamily="18" charset="0"/>
-                                      <a:ea typeface="Cambria Math" panose="02040503050406030204" pitchFamily="18" charset="0"/>
-                                    </a:rPr>
-                                  </m:ctrlPr>
-                                </m:sSubPr>
-                                <m:e>
-                                  <m:r>
-                                    <a:rPr lang="en-US" b="0" i="1" smtClean="0">
-                                      <a:latin typeface="Cambria Math" panose="02040503050406030204" pitchFamily="18" charset="0"/>
-                                      <a:ea typeface="Cambria Math" panose="02040503050406030204" pitchFamily="18" charset="0"/>
-                                    </a:rPr>
-                                    <m:t>𝑥</m:t>
-                                  </m:r>
-                                </m:e>
-                                <m:sub>
-                                  <m:r>
-                                    <a:rPr lang="en-US" b="0" i="1" smtClean="0">
-                                      <a:latin typeface="Cambria Math" panose="02040503050406030204" pitchFamily="18" charset="0"/>
-                                      <a:ea typeface="Cambria Math" panose="02040503050406030204" pitchFamily="18" charset="0"/>
-                                    </a:rPr>
-                                    <m:t>1</m:t>
-                                  </m:r>
-                                </m:sub>
-                              </m:sSub>
-                              <m:r>
-                                <a:rPr lang="en-US" b="0" i="1" smtClean="0">
-                                  <a:latin typeface="Cambria Math" panose="02040503050406030204" pitchFamily="18" charset="0"/>
-                                  <a:ea typeface="Cambria Math" panose="02040503050406030204" pitchFamily="18" charset="0"/>
-                                </a:rPr>
-                                <m:t>=</m:t>
-                              </m:r>
-                              <m:sSub>
-                                <m:sSubPr>
-                                  <m:ctrlPr>
-                                    <a:rPr lang="en-US" b="0" i="1" smtClean="0">
-                                      <a:latin typeface="Cambria Math" panose="02040503050406030204" pitchFamily="18" charset="0"/>
-                                      <a:ea typeface="Cambria Math" panose="02040503050406030204" pitchFamily="18" charset="0"/>
-                                    </a:rPr>
-                                  </m:ctrlPr>
-                                </m:sSubPr>
-                                <m:e>
-                                  <m:r>
-                                    <a:rPr lang="en-US" b="0" i="1" smtClean="0">
-                                      <a:latin typeface="Cambria Math" panose="02040503050406030204" pitchFamily="18" charset="0"/>
-                                      <a:ea typeface="Cambria Math" panose="02040503050406030204" pitchFamily="18" charset="0"/>
-                                    </a:rPr>
-                                    <m:t>𝑥</m:t>
-                                  </m:r>
-                                </m:e>
-                                <m:sub>
-                                  <m:r>
-                                    <a:rPr lang="en-US" b="0" i="1" smtClean="0">
-                                      <a:latin typeface="Cambria Math" panose="02040503050406030204" pitchFamily="18" charset="0"/>
-                                      <a:ea typeface="Cambria Math" panose="02040503050406030204" pitchFamily="18" charset="0"/>
-                                    </a:rPr>
-                                    <m:t>3</m:t>
-                                  </m:r>
-                                </m:sub>
-                              </m:sSub>
-                            </m:e>
-                          </m:d>
-                          <m:r>
-                            <a:rPr lang="en-US" b="0" i="1" smtClean="0">
-                              <a:latin typeface="Cambria Math" panose="02040503050406030204" pitchFamily="18" charset="0"/>
-                            </a:rPr>
-                            <m:t>∨</m:t>
-                          </m:r>
-                          <m:r>
-                            <a:rPr lang="en-US" b="0" i="1" smtClean="0">
-                              <a:latin typeface="Cambria Math" panose="02040503050406030204" pitchFamily="18" charset="0"/>
-                              <a:ea typeface="Cambria Math" panose="02040503050406030204" pitchFamily="18" charset="0"/>
-                            </a:rPr>
-                            <m:t>¬</m:t>
-                          </m:r>
-                          <m:d>
-                            <m:dPr>
-                              <m:ctrlPr>
-                                <a:rPr lang="en-US" b="0" i="1" smtClean="0">
-                                  <a:latin typeface="Cambria Math" panose="02040503050406030204" pitchFamily="18" charset="0"/>
-                                  <a:ea typeface="Cambria Math" panose="02040503050406030204" pitchFamily="18" charset="0"/>
-                                </a:rPr>
-                              </m:ctrlPr>
-                            </m:dPr>
-                            <m:e>
-                              <m:sSub>
-                                <m:sSubPr>
-                                  <m:ctrlPr>
-                                    <a:rPr lang="en-US" b="0" i="1" smtClean="0">
-                                      <a:latin typeface="Cambria Math" panose="02040503050406030204" pitchFamily="18" charset="0"/>
-                                      <a:ea typeface="Cambria Math" panose="02040503050406030204" pitchFamily="18" charset="0"/>
-                                    </a:rPr>
-                                  </m:ctrlPr>
-                                </m:sSubPr>
-                                <m:e>
-                                  <m:r>
-                                    <a:rPr lang="en-US" b="0" i="1" smtClean="0">
-                                      <a:latin typeface="Cambria Math" panose="02040503050406030204" pitchFamily="18" charset="0"/>
-                                      <a:ea typeface="Cambria Math" panose="02040503050406030204" pitchFamily="18" charset="0"/>
-                                    </a:rPr>
-                                    <m:t>𝑦</m:t>
-                                  </m:r>
-                                </m:e>
-                                <m:sub>
-                                  <m:r>
-                                    <a:rPr lang="en-US" b="0" i="1" smtClean="0">
-                                      <a:latin typeface="Cambria Math" panose="02040503050406030204" pitchFamily="18" charset="0"/>
-                                      <a:ea typeface="Cambria Math" panose="02040503050406030204" pitchFamily="18" charset="0"/>
-                                    </a:rPr>
-                                    <m:t>1</m:t>
-                                  </m:r>
-                                </m:sub>
-                              </m:sSub>
-                              <m:r>
-                                <a:rPr lang="en-US" b="0" i="1" smtClean="0">
-                                  <a:latin typeface="Cambria Math" panose="02040503050406030204" pitchFamily="18" charset="0"/>
-                                  <a:ea typeface="Cambria Math" panose="02040503050406030204" pitchFamily="18" charset="0"/>
-                                </a:rPr>
-                                <m:t>=</m:t>
-                              </m:r>
-                              <m:sSub>
-                                <m:sSubPr>
-                                  <m:ctrlPr>
-                                    <a:rPr lang="en-US" b="0" i="1" smtClean="0">
-                                      <a:latin typeface="Cambria Math" panose="02040503050406030204" pitchFamily="18" charset="0"/>
-                                      <a:ea typeface="Cambria Math" panose="02040503050406030204" pitchFamily="18" charset="0"/>
-                                    </a:rPr>
-                                  </m:ctrlPr>
-                                </m:sSubPr>
-                                <m:e>
-                                  <m:r>
-                                    <a:rPr lang="en-US" b="0" i="1" smtClean="0">
-                                      <a:latin typeface="Cambria Math" panose="02040503050406030204" pitchFamily="18" charset="0"/>
-                                      <a:ea typeface="Cambria Math" panose="02040503050406030204" pitchFamily="18" charset="0"/>
-                                    </a:rPr>
-                                    <m:t>𝑦</m:t>
-                                  </m:r>
-                                </m:e>
-                                <m:sub>
-                                  <m:r>
-                                    <a:rPr lang="en-US" b="0" i="1" smtClean="0">
-                                      <a:latin typeface="Cambria Math" panose="02040503050406030204" pitchFamily="18" charset="0"/>
-                                      <a:ea typeface="Cambria Math" panose="02040503050406030204" pitchFamily="18" charset="0"/>
-                                    </a:rPr>
-                                    <m:t>3</m:t>
-                                  </m:r>
-                                </m:sub>
-                              </m:sSub>
-                            </m:e>
-                          </m:d>
-                        </m:e>
-                      </m:d>
-                      <m:r>
-                        <a:rPr lang="en-US" b="0" i="1" smtClean="0">
-                          <a:latin typeface="Cambria Math" panose="02040503050406030204" pitchFamily="18" charset="0"/>
-                          <a:ea typeface="Cambria Math" panose="02040503050406030204" pitchFamily="18" charset="0"/>
-                        </a:rPr>
-                        <m:t> &amp;</m:t>
-                      </m:r>
-                    </m:oMath>
-                  </m:oMathPara>
-                </a14:m>
-                <a:r>
-                  <a:rPr lang="en-US" b="0" i="1" dirty="0" smtClean="0">
-                    <a:latin typeface="Cambria Math" panose="02040503050406030204" pitchFamily="18" charset="0"/>
-                    <a:ea typeface="Cambria Math" panose="02040503050406030204" pitchFamily="18" charset="0"/>
-                  </a:rPr>
-                  <a:t/>
-                </a:r>
-                <a:br>
-                  <a:rPr lang="en-US" b="0" i="1" dirty="0" smtClean="0">
-                    <a:latin typeface="Cambria Math" panose="02040503050406030204" pitchFamily="18" charset="0"/>
-                    <a:ea typeface="Cambria Math" panose="02040503050406030204" pitchFamily="18" charset="0"/>
-                  </a:rPr>
-                </a:br>
-                <a14:m>
-                  <m:oMath xmlns:m="http://schemas.openxmlformats.org/officeDocument/2006/math">
-                    <m:d>
-                      <m:dPr>
-                        <m:ctrlPr>
-                          <a:rPr lang="en-US" b="0" i="1" smtClean="0">
-                            <a:latin typeface="Cambria Math" panose="02040503050406030204" pitchFamily="18" charset="0"/>
-                            <a:ea typeface="Cambria Math" panose="02040503050406030204" pitchFamily="18" charset="0"/>
-                          </a:rPr>
-                        </m:ctrlPr>
-                      </m:dPr>
-                      <m:e>
-                        <m:r>
-                          <a:rPr lang="en-US" b="0" i="1" smtClean="0">
-                            <a:latin typeface="Cambria Math" panose="02040503050406030204" pitchFamily="18" charset="0"/>
-                            <a:ea typeface="Cambria Math" panose="02040503050406030204" pitchFamily="18" charset="0"/>
-                          </a:rPr>
-                          <m:t>¬</m:t>
-                        </m:r>
-                        <m:d>
-                          <m:dPr>
-                            <m:ctrlPr>
-                              <a:rPr lang="en-US" b="0" i="1" smtClean="0">
-                                <a:latin typeface="Cambria Math" panose="02040503050406030204" pitchFamily="18" charset="0"/>
-                                <a:ea typeface="Cambria Math" panose="02040503050406030204" pitchFamily="18" charset="0"/>
-                              </a:rPr>
-                            </m:ctrlPr>
-                          </m:dPr>
-                          <m:e>
-                            <m:sSub>
-                              <m:sSubPr>
-                                <m:ctrlPr>
-                                  <a:rPr lang="en-US" b="0" i="1" smtClean="0">
-                                    <a:latin typeface="Cambria Math" panose="02040503050406030204" pitchFamily="18" charset="0"/>
-                                    <a:ea typeface="Cambria Math" panose="02040503050406030204" pitchFamily="18" charset="0"/>
-                                  </a:rPr>
-                                </m:ctrlPr>
-                              </m:sSubPr>
-                              <m:e>
-                                <m:r>
-                                  <a:rPr lang="en-US" b="0" i="1" smtClean="0">
-                                    <a:latin typeface="Cambria Math" panose="02040503050406030204" pitchFamily="18" charset="0"/>
-                                    <a:ea typeface="Cambria Math" panose="02040503050406030204" pitchFamily="18" charset="0"/>
-                                  </a:rPr>
-                                  <m:t>𝑥</m:t>
-                                </m:r>
-                              </m:e>
-                              <m:sub>
-                                <m:r>
-                                  <a:rPr lang="en-US" b="0" i="1" smtClean="0">
-                                    <a:latin typeface="Cambria Math" panose="02040503050406030204" pitchFamily="18" charset="0"/>
-                                    <a:ea typeface="Cambria Math" panose="02040503050406030204" pitchFamily="18" charset="0"/>
-                                  </a:rPr>
-                                  <m:t>2</m:t>
-                                </m:r>
-                              </m:sub>
-                            </m:sSub>
-                            <m:r>
-                              <a:rPr lang="en-US" b="0" i="1" smtClean="0">
-                                <a:latin typeface="Cambria Math" panose="02040503050406030204" pitchFamily="18" charset="0"/>
-                                <a:ea typeface="Cambria Math" panose="02040503050406030204" pitchFamily="18" charset="0"/>
-                              </a:rPr>
-                              <m:t>=</m:t>
-                            </m:r>
-                            <m:sSub>
-                              <m:sSubPr>
-                                <m:ctrlPr>
-                                  <a:rPr lang="en-US" b="0" i="1" smtClean="0">
-                                    <a:latin typeface="Cambria Math" panose="02040503050406030204" pitchFamily="18" charset="0"/>
-                                    <a:ea typeface="Cambria Math" panose="02040503050406030204" pitchFamily="18" charset="0"/>
-                                  </a:rPr>
-                                </m:ctrlPr>
-                              </m:sSubPr>
-                              <m:e>
-                                <m:r>
-                                  <a:rPr lang="en-US" b="0" i="1" smtClean="0">
-                                    <a:latin typeface="Cambria Math" panose="02040503050406030204" pitchFamily="18" charset="0"/>
-                                    <a:ea typeface="Cambria Math" panose="02040503050406030204" pitchFamily="18" charset="0"/>
-                                  </a:rPr>
-                                  <m:t>𝑥</m:t>
-                                </m:r>
-                              </m:e>
-                              <m:sub>
-                                <m:r>
-                                  <a:rPr lang="en-US" b="0" i="1" smtClean="0">
-                                    <a:latin typeface="Cambria Math" panose="02040503050406030204" pitchFamily="18" charset="0"/>
-                                    <a:ea typeface="Cambria Math" panose="02040503050406030204" pitchFamily="18" charset="0"/>
-                                  </a:rPr>
-                                  <m:t>3</m:t>
-                                </m:r>
-                              </m:sub>
-                            </m:sSub>
-                          </m:e>
-                        </m:d>
-                        <m:r>
-                          <a:rPr lang="en-US" b="0" i="1" smtClean="0">
-                            <a:latin typeface="Cambria Math" panose="02040503050406030204" pitchFamily="18" charset="0"/>
-                          </a:rPr>
-                          <m:t>∨</m:t>
-                        </m:r>
-                        <m:r>
-                          <a:rPr lang="en-US" b="0" i="1" smtClean="0">
-                            <a:latin typeface="Cambria Math" panose="02040503050406030204" pitchFamily="18" charset="0"/>
-                            <a:ea typeface="Cambria Math" panose="02040503050406030204" pitchFamily="18" charset="0"/>
-                          </a:rPr>
-                          <m:t>¬</m:t>
-                        </m:r>
-                        <m:d>
-                          <m:dPr>
-                            <m:ctrlPr>
-                              <a:rPr lang="en-US" b="0" i="1" smtClean="0">
-                                <a:latin typeface="Cambria Math" panose="02040503050406030204" pitchFamily="18" charset="0"/>
-                                <a:ea typeface="Cambria Math" panose="02040503050406030204" pitchFamily="18" charset="0"/>
-                              </a:rPr>
-                            </m:ctrlPr>
-                          </m:dPr>
-                          <m:e>
-                            <m:sSub>
-                              <m:sSubPr>
-                                <m:ctrlPr>
-                                  <a:rPr lang="en-US" b="0" i="1" smtClean="0">
-                                    <a:latin typeface="Cambria Math" panose="02040503050406030204" pitchFamily="18" charset="0"/>
-                                    <a:ea typeface="Cambria Math" panose="02040503050406030204" pitchFamily="18" charset="0"/>
-                                  </a:rPr>
-                                </m:ctrlPr>
-                              </m:sSubPr>
-                              <m:e>
-                                <m:r>
-                                  <a:rPr lang="en-US" b="0" i="1" smtClean="0">
-                                    <a:latin typeface="Cambria Math" panose="02040503050406030204" pitchFamily="18" charset="0"/>
-                                    <a:ea typeface="Cambria Math" panose="02040503050406030204" pitchFamily="18" charset="0"/>
-                                  </a:rPr>
-                                  <m:t>𝑦</m:t>
-                                </m:r>
-                              </m:e>
-                              <m:sub>
-                                <m:r>
-                                  <a:rPr lang="en-US" b="0" i="1" smtClean="0">
-                                    <a:latin typeface="Cambria Math" panose="02040503050406030204" pitchFamily="18" charset="0"/>
-                                    <a:ea typeface="Cambria Math" panose="02040503050406030204" pitchFamily="18" charset="0"/>
-                                  </a:rPr>
-                                  <m:t>2</m:t>
-                                </m:r>
-                              </m:sub>
-                            </m:sSub>
-                            <m:r>
-                              <a:rPr lang="en-US" b="0" i="1" smtClean="0">
-                                <a:latin typeface="Cambria Math" panose="02040503050406030204" pitchFamily="18" charset="0"/>
-                                <a:ea typeface="Cambria Math" panose="02040503050406030204" pitchFamily="18" charset="0"/>
-                              </a:rPr>
-                              <m:t>=</m:t>
-                            </m:r>
-                            <m:sSub>
-                              <m:sSubPr>
-                                <m:ctrlPr>
-                                  <a:rPr lang="en-US" b="0" i="1" smtClean="0">
-                                    <a:latin typeface="Cambria Math" panose="02040503050406030204" pitchFamily="18" charset="0"/>
-                                    <a:ea typeface="Cambria Math" panose="02040503050406030204" pitchFamily="18" charset="0"/>
-                                  </a:rPr>
-                                </m:ctrlPr>
-                              </m:sSubPr>
-                              <m:e>
-                                <m:r>
-                                  <a:rPr lang="en-US" b="0" i="1" smtClean="0">
-                                    <a:latin typeface="Cambria Math" panose="02040503050406030204" pitchFamily="18" charset="0"/>
-                                    <a:ea typeface="Cambria Math" panose="02040503050406030204" pitchFamily="18" charset="0"/>
-                                  </a:rPr>
-                                  <m:t>𝑦</m:t>
-                                </m:r>
-                              </m:e>
-                              <m:sub>
-                                <m:r>
-                                  <a:rPr lang="en-US" b="0" i="1" smtClean="0">
-                                    <a:latin typeface="Cambria Math" panose="02040503050406030204" pitchFamily="18" charset="0"/>
-                                    <a:ea typeface="Cambria Math" panose="02040503050406030204" pitchFamily="18" charset="0"/>
-                                  </a:rPr>
-                                  <m:t>3</m:t>
-                                </m:r>
-                              </m:sub>
-                            </m:sSub>
-                          </m:e>
-                        </m:d>
-                      </m:e>
-                    </m:d>
-                    <m:r>
-                      <a:rPr lang="en-US" b="0" i="1" smtClean="0">
-                        <a:latin typeface="Cambria Math" panose="02040503050406030204" pitchFamily="18" charset="0"/>
-                      </a:rPr>
-                      <m:t>)</m:t>
-                    </m:r>
-                  </m:oMath>
-                </a14:m>
-                <a:r>
-                  <a:rPr lang="en-US" dirty="0" smtClean="0"/>
-                  <a:t>.</a:t>
-                </a:r>
-                <a:endParaRPr lang="ru-RU" dirty="0"/>
-              </a:p>
-            </p:txBody>
-          </p:sp>
-        </mc:Choice>
-        <mc:Fallback xmlns="">
-          <p:sp>
-            <p:nvSpPr>
-              <p:cNvPr id="3" name="Объект 2"/>
-              <p:cNvSpPr>
-                <a:spLocks noGrp="1" noRot="1" noChangeAspect="1" noMove="1" noResize="1" noEditPoints="1" noAdjustHandles="1" noChangeArrowheads="1" noChangeShapeType="1" noTextEdit="1"/>
-              </p:cNvSpPr>
-              <p:nvPr>
-                <p:ph idx="1"/>
-              </p:nvPr>
-            </p:nvSpPr>
-            <p:spPr>
-              <a:xfrm>
-                <a:off x="838200" y="1511300"/>
-                <a:ext cx="10515600" cy="4665663"/>
-              </a:xfrm>
-              <a:blipFill>
-                <a:blip r:embed="rId2"/>
-                <a:stretch>
-                  <a:fillRect/>
-                </a:stretch>
-              </a:blipFill>
-            </p:spPr>
-            <p:txBody>
-              <a:bodyPr/>
-              <a:lstStyle/>
-              <a:p>
-                <a:r>
-                  <a:rPr lang="ru-RU">
-                    <a:noFill/>
-                  </a:rPr>
-                  <a:t> </a:t>
-                </a:r>
-              </a:p>
-            </p:txBody>
-          </p:sp>
-        </mc:Fallback>
-      </mc:AlternateContent>
+      <p:pic>
+        <p:nvPicPr>
+          <p:cNvPr id="5" name="Объект 4"/>
+          <p:cNvPicPr>
+            <a:picLocks noGrp="1" noChangeAspect="1"/>
+          </p:cNvPicPr>
+          <p:nvPr>
+            <p:ph idx="1"/>
+          </p:nvPr>
+        </p:nvPicPr>
+        <p:blipFill>
+          <a:blip r:embed="rId2"/>
+          <a:stretch>
+            <a:fillRect/>
+          </a:stretch>
+        </p:blipFill>
+        <p:spPr>
+          <a:xfrm>
+            <a:off x="1319212" y="2315369"/>
+            <a:ext cx="9553575" cy="3057525"/>
+          </a:xfrm>
+          <a:prstGeom prst="rect">
+            <a:avLst/>
+          </a:prstGeom>
+        </p:spPr>
+      </p:pic>
       <p:sp>
         <p:nvSpPr>
           <p:cNvPr id="4" name="Номер слайда 3"/>
